--- a/Презентация дипломной работы.pptx
+++ b/Презентация дипломной работы.pptx
@@ -5,7 +5,7 @@
     <p:sldMasterId id="2147483659" r:id="rId1"/>
   </p:sldMasterIdLst>
   <p:notesMasterIdLst>
-    <p:notesMasterId r:id="rId10"/>
+    <p:notesMasterId r:id="rId13"/>
   </p:notesMasterIdLst>
   <p:sldIdLst>
     <p:sldId id="256" r:id="rId2"/>
@@ -15,24 +15,34 @@
     <p:sldId id="260" r:id="rId6"/>
     <p:sldId id="261" r:id="rId7"/>
     <p:sldId id="262" r:id="rId8"/>
-    <p:sldId id="263" r:id="rId9"/>
+    <p:sldId id="267" r:id="rId9"/>
+    <p:sldId id="264" r:id="rId10"/>
+    <p:sldId id="266" r:id="rId11"/>
+    <p:sldId id="263" r:id="rId12"/>
   </p:sldIdLst>
   <p:sldSz cx="9144000" cy="5143500" type="screen16x9"/>
   <p:notesSz cx="6858000" cy="9144000"/>
   <p:embeddedFontLst>
     <p:embeddedFont>
+      <p:font typeface="Calibri" panose="020F0502020204030204" pitchFamily="34" charset="0"/>
+      <p:regular r:id="rId14"/>
+      <p:bold r:id="rId15"/>
+      <p:italic r:id="rId16"/>
+      <p:boldItalic r:id="rId17"/>
+    </p:embeddedFont>
+    <p:embeddedFont>
       <p:font typeface="Lato" panose="020F0502020204030203" pitchFamily="34" charset="0"/>
-      <p:regular r:id="rId11"/>
-      <p:bold r:id="rId12"/>
-      <p:italic r:id="rId13"/>
-      <p:boldItalic r:id="rId14"/>
+      <p:regular r:id="rId18"/>
+      <p:bold r:id="rId19"/>
+      <p:italic r:id="rId20"/>
+      <p:boldItalic r:id="rId21"/>
     </p:embeddedFont>
     <p:embeddedFont>
       <p:font typeface="Raleway" panose="020B0604020202020204" charset="-52"/>
-      <p:regular r:id="rId15"/>
-      <p:bold r:id="rId16"/>
-      <p:italic r:id="rId17"/>
-      <p:boldItalic r:id="rId18"/>
+      <p:regular r:id="rId22"/>
+      <p:bold r:id="rId23"/>
+      <p:italic r:id="rId24"/>
+      <p:boldItalic r:id="rId25"/>
     </p:embeddedFont>
   </p:embeddedFontLst>
   <p:defaultTextStyle>
@@ -828,6 +838,115 @@
 </p:notes>
 </file>
 
+<file path=ppt/notesSlides/notesSlide10.xml><?xml version="1.0" encoding="utf-8"?>
+<p:notes xmlns:a="http://schemas.openxmlformats.org/drawingml/2006/main" xmlns:r="http://schemas.openxmlformats.org/officeDocument/2006/relationships" xmlns:p="http://schemas.openxmlformats.org/presentationml/2006/main" showMasterSp="0" showMasterPhAnim="0">
+  <p:cSld>
+    <p:spTree>
+      <p:nvGrpSpPr>
+        <p:cNvPr id="1" name="Shape 91"/>
+        <p:cNvGrpSpPr/>
+        <p:nvPr/>
+      </p:nvGrpSpPr>
+      <p:grpSpPr>
+        <a:xfrm>
+          <a:off x="0" y="0"/>
+          <a:ext cx="0" cy="0"/>
+          <a:chOff x="0" y="0"/>
+          <a:chExt cx="0" cy="0"/>
+        </a:xfrm>
+      </p:grpSpPr>
+      <p:sp>
+        <p:nvSpPr>
+          <p:cNvPr id="92" name="Google Shape;92;g83f1dcc010_0_655:notes"/>
+          <p:cNvSpPr>
+            <a:spLocks noGrp="1" noRot="1" noChangeAspect="1"/>
+          </p:cNvSpPr>
+          <p:nvPr>
+            <p:ph type="sldImg" idx="2"/>
+          </p:nvPr>
+        </p:nvSpPr>
+        <p:spPr>
+          <a:xfrm>
+            <a:off x="381000" y="685800"/>
+            <a:ext cx="6096000" cy="3429000"/>
+          </a:xfrm>
+          <a:custGeom>
+            <a:avLst/>
+            <a:gdLst/>
+            <a:ahLst/>
+            <a:cxnLst/>
+            <a:rect l="l" t="t" r="r" b="b"/>
+            <a:pathLst>
+              <a:path w="120000" h="120000" extrusionOk="0">
+                <a:moveTo>
+                  <a:pt x="0" y="0"/>
+                </a:moveTo>
+                <a:lnTo>
+                  <a:pt x="120000" y="0"/>
+                </a:lnTo>
+                <a:lnTo>
+                  <a:pt x="120000" y="120000"/>
+                </a:lnTo>
+                <a:lnTo>
+                  <a:pt x="0" y="120000"/>
+                </a:lnTo>
+                <a:close/>
+              </a:path>
+            </a:pathLst>
+          </a:custGeom>
+        </p:spPr>
+      </p:sp>
+      <p:sp>
+        <p:nvSpPr>
+          <p:cNvPr id="93" name="Google Shape;93;g83f1dcc010_0_655:notes"/>
+          <p:cNvSpPr txBox="1">
+            <a:spLocks noGrp="1"/>
+          </p:cNvSpPr>
+          <p:nvPr>
+            <p:ph type="body" idx="1"/>
+          </p:nvPr>
+        </p:nvSpPr>
+        <p:spPr>
+          <a:xfrm>
+            <a:off x="685800" y="4343400"/>
+            <a:ext cx="5486400" cy="4114800"/>
+          </a:xfrm>
+          <a:prstGeom prst="rect">
+            <a:avLst/>
+          </a:prstGeom>
+        </p:spPr>
+        <p:txBody>
+          <a:bodyPr spcFirstLastPara="1" wrap="square" lIns="91425" tIns="91425" rIns="91425" bIns="91425" anchor="t" anchorCtr="0">
+            <a:noAutofit/>
+          </a:bodyPr>
+          <a:lstStyle/>
+          <a:p>
+            <a:pPr marL="0" lvl="0" indent="0" algn="l" rtl="0">
+              <a:spcBef>
+                <a:spcPts val="0"/>
+              </a:spcBef>
+              <a:spcAft>
+                <a:spcPts val="0"/>
+              </a:spcAft>
+              <a:buNone/>
+            </a:pPr>
+            <a:endParaRPr/>
+          </a:p>
+        </p:txBody>
+      </p:sp>
+    </p:spTree>
+    <p:extLst>
+      <p:ext uri="{BB962C8B-B14F-4D97-AF65-F5344CB8AC3E}">
+        <p14:creationId xmlns:p14="http://schemas.microsoft.com/office/powerpoint/2010/main" val="2037969981"/>
+      </p:ext>
+    </p:extLst>
+  </p:cSld>
+  <p:clrMapOvr>
+    <a:masterClrMapping/>
+  </p:clrMapOvr>
+</p:notes>
+</file>
+
 <file path=ppt/notesSlides/notesSlide2.xml><?xml version="1.0" encoding="utf-8"?>
 <p:notes xmlns:a="http://schemas.openxmlformats.org/drawingml/2006/main" xmlns:r="http://schemas.openxmlformats.org/officeDocument/2006/relationships" xmlns:p="http://schemas.openxmlformats.org/presentationml/2006/main" showMasterSp="0" showMasterPhAnim="0">
   <p:cSld>
@@ -1576,7 +1695,116 @@
     </p:spTree>
     <p:extLst>
       <p:ext uri="{BB962C8B-B14F-4D97-AF65-F5344CB8AC3E}">
-        <p14:creationId xmlns:p14="http://schemas.microsoft.com/office/powerpoint/2010/main" val="2037969981"/>
+        <p14:creationId xmlns:p14="http://schemas.microsoft.com/office/powerpoint/2010/main" val="3094966065"/>
+      </p:ext>
+    </p:extLst>
+  </p:cSld>
+  <p:clrMapOvr>
+    <a:masterClrMapping/>
+  </p:clrMapOvr>
+</p:notes>
+</file>
+
+<file path=ppt/notesSlides/notesSlide9.xml><?xml version="1.0" encoding="utf-8"?>
+<p:notes xmlns:a="http://schemas.openxmlformats.org/drawingml/2006/main" xmlns:r="http://schemas.openxmlformats.org/officeDocument/2006/relationships" xmlns:p="http://schemas.openxmlformats.org/presentationml/2006/main" showMasterSp="0" showMasterPhAnim="0">
+  <p:cSld>
+    <p:spTree>
+      <p:nvGrpSpPr>
+        <p:cNvPr id="1" name="Shape 91"/>
+        <p:cNvGrpSpPr/>
+        <p:nvPr/>
+      </p:nvGrpSpPr>
+      <p:grpSpPr>
+        <a:xfrm>
+          <a:off x="0" y="0"/>
+          <a:ext cx="0" cy="0"/>
+          <a:chOff x="0" y="0"/>
+          <a:chExt cx="0" cy="0"/>
+        </a:xfrm>
+      </p:grpSpPr>
+      <p:sp>
+        <p:nvSpPr>
+          <p:cNvPr id="92" name="Google Shape;92;g83f1dcc010_0_655:notes"/>
+          <p:cNvSpPr>
+            <a:spLocks noGrp="1" noRot="1" noChangeAspect="1"/>
+          </p:cNvSpPr>
+          <p:nvPr>
+            <p:ph type="sldImg" idx="2"/>
+          </p:nvPr>
+        </p:nvSpPr>
+        <p:spPr>
+          <a:xfrm>
+            <a:off x="381000" y="685800"/>
+            <a:ext cx="6096000" cy="3429000"/>
+          </a:xfrm>
+          <a:custGeom>
+            <a:avLst/>
+            <a:gdLst/>
+            <a:ahLst/>
+            <a:cxnLst/>
+            <a:rect l="l" t="t" r="r" b="b"/>
+            <a:pathLst>
+              <a:path w="120000" h="120000" extrusionOk="0">
+                <a:moveTo>
+                  <a:pt x="0" y="0"/>
+                </a:moveTo>
+                <a:lnTo>
+                  <a:pt x="120000" y="0"/>
+                </a:lnTo>
+                <a:lnTo>
+                  <a:pt x="120000" y="120000"/>
+                </a:lnTo>
+                <a:lnTo>
+                  <a:pt x="0" y="120000"/>
+                </a:lnTo>
+                <a:close/>
+              </a:path>
+            </a:pathLst>
+          </a:custGeom>
+        </p:spPr>
+      </p:sp>
+      <p:sp>
+        <p:nvSpPr>
+          <p:cNvPr id="93" name="Google Shape;93;g83f1dcc010_0_655:notes"/>
+          <p:cNvSpPr txBox="1">
+            <a:spLocks noGrp="1"/>
+          </p:cNvSpPr>
+          <p:nvPr>
+            <p:ph type="body" idx="1"/>
+          </p:nvPr>
+        </p:nvSpPr>
+        <p:spPr>
+          <a:xfrm>
+            <a:off x="685800" y="4343400"/>
+            <a:ext cx="5486400" cy="4114800"/>
+          </a:xfrm>
+          <a:prstGeom prst="rect">
+            <a:avLst/>
+          </a:prstGeom>
+        </p:spPr>
+        <p:txBody>
+          <a:bodyPr spcFirstLastPara="1" wrap="square" lIns="91425" tIns="91425" rIns="91425" bIns="91425" anchor="t" anchorCtr="0">
+            <a:noAutofit/>
+          </a:bodyPr>
+          <a:lstStyle/>
+          <a:p>
+            <a:pPr marL="0" lvl="0" indent="0" algn="l" rtl="0">
+              <a:spcBef>
+                <a:spcPts val="0"/>
+              </a:spcBef>
+              <a:spcAft>
+                <a:spcPts val="0"/>
+              </a:spcAft>
+              <a:buNone/>
+            </a:pPr>
+            <a:endParaRPr/>
+          </a:p>
+        </p:txBody>
+      </p:sp>
+    </p:spTree>
+    <p:extLst>
+      <p:ext uri="{BB962C8B-B14F-4D97-AF65-F5344CB8AC3E}">
+        <p14:creationId xmlns:p14="http://schemas.microsoft.com/office/powerpoint/2010/main" val="2227831648"/>
       </p:ext>
     </p:extLst>
   </p:cSld>
@@ -7872,16 +8100,7 @@
                 <a:cs typeface="Times New Roman"/>
                 <a:sym typeface="Times New Roman"/>
               </a:rPr>
-              <a:t>На тему: </a:t>
-            </a:r>
-            <a:r>
-              <a:rPr lang="ru" sz="2400" b="0" dirty="0" smtClean="0">
-                <a:latin typeface="Times New Roman"/>
-                <a:ea typeface="Times New Roman"/>
-                <a:cs typeface="Times New Roman"/>
-                <a:sym typeface="Times New Roman"/>
-              </a:rPr>
-              <a:t>“</a:t>
+              <a:t>На тему: “</a:t>
             </a:r>
             <a:r>
               <a:rPr lang="ru-RU" sz="2400" b="0" dirty="0">
@@ -7911,7 +8130,7 @@
               <a:t> Рус</a:t>
             </a:r>
             <a:r>
-              <a:rPr lang="ru" sz="2400" b="0" dirty="0" smtClean="0">
+              <a:rPr lang="ru" sz="2400" b="0" dirty="0">
                 <a:latin typeface="Times New Roman"/>
                 <a:ea typeface="Times New Roman"/>
                 <a:cs typeface="Times New Roman"/>
@@ -8039,7 +8258,7 @@
               <a:buNone/>
             </a:pPr>
             <a:r>
-              <a:rPr lang="ru-RU" sz="2400" dirty="0" smtClean="0">
+              <a:rPr lang="ru-RU" sz="2400" dirty="0">
                 <a:solidFill>
                   <a:srgbClr val="000000"/>
                 </a:solidFill>
@@ -8120,7 +8339,7 @@
               <a:buNone/>
             </a:pPr>
             <a:r>
-              <a:rPr lang="ru-RU" sz="2400" dirty="0" smtClean="0">
+              <a:rPr lang="ru-RU" sz="2400" dirty="0">
                 <a:solidFill>
                   <a:srgbClr val="000000"/>
                 </a:solidFill>
@@ -8199,7 +8418,19 @@
                 <a:cs typeface="Times New Roman"/>
                 <a:sym typeface="Times New Roman"/>
               </a:rPr>
-              <a:t>Москва 2020</a:t>
+              <a:t>Москва 202</a:t>
+            </a:r>
+            <a:r>
+              <a:rPr lang="en-US" sz="2400" dirty="0">
+                <a:solidFill>
+                  <a:srgbClr val="000000"/>
+                </a:solidFill>
+                <a:latin typeface="Times New Roman"/>
+                <a:ea typeface="Times New Roman"/>
+                <a:cs typeface="Times New Roman"/>
+                <a:sym typeface="Times New Roman"/>
+              </a:rPr>
+              <a:t>1</a:t>
             </a:r>
             <a:endParaRPr sz="2400" dirty="0">
               <a:solidFill>
@@ -8342,6 +8573,264 @@
 </p:sld>
 </file>
 
+<file path=ppt/slides/slide10.xml><?xml version="1.0" encoding="utf-8"?>
+<p:sld xmlns:a="http://schemas.openxmlformats.org/drawingml/2006/main" xmlns:r="http://schemas.openxmlformats.org/officeDocument/2006/relationships" xmlns:p="http://schemas.openxmlformats.org/presentationml/2006/main">
+  <p:cSld>
+    <p:spTree>
+      <p:nvGrpSpPr>
+        <p:cNvPr id="1" name="Shape 94"/>
+        <p:cNvGrpSpPr/>
+        <p:nvPr/>
+      </p:nvGrpSpPr>
+      <p:grpSpPr>
+        <a:xfrm>
+          <a:off x="0" y="0"/>
+          <a:ext cx="0" cy="0"/>
+          <a:chOff x="0" y="0"/>
+          <a:chExt cx="0" cy="0"/>
+        </a:xfrm>
+      </p:grpSpPr>
+      <p:sp>
+        <p:nvSpPr>
+          <p:cNvPr id="3" name="Текст 2">
+            <a:extLst>
+              <a:ext uri="{FF2B5EF4-FFF2-40B4-BE49-F238E27FC236}">
+                <a16:creationId xmlns:a16="http://schemas.microsoft.com/office/drawing/2014/main" id="{D761CE32-CC3F-48AC-A17F-0ECD2C2E6C16}"/>
+              </a:ext>
+            </a:extLst>
+          </p:cNvPr>
+          <p:cNvSpPr>
+            <a:spLocks noGrp="1"/>
+          </p:cNvSpPr>
+          <p:nvPr>
+            <p:ph type="body" idx="1"/>
+          </p:nvPr>
+        </p:nvSpPr>
+        <p:spPr/>
+        <p:txBody>
+          <a:bodyPr/>
+          <a:lstStyle/>
+          <a:p>
+            <a:pPr marL="146050" indent="0">
+              <a:buNone/>
+            </a:pPr>
+            <a:endParaRPr lang="ru-RU" dirty="0"/>
+          </a:p>
+        </p:txBody>
+      </p:sp>
+      <p:sp>
+        <p:nvSpPr>
+          <p:cNvPr id="95" name="Google Shape;95;p14"/>
+          <p:cNvSpPr txBox="1">
+            <a:spLocks noGrp="1"/>
+          </p:cNvSpPr>
+          <p:nvPr>
+            <p:ph type="title"/>
+          </p:nvPr>
+        </p:nvSpPr>
+        <p:spPr>
+          <a:xfrm>
+            <a:off x="0" y="0"/>
+            <a:ext cx="7688700" cy="535200"/>
+          </a:xfrm>
+          <a:prstGeom prst="rect">
+            <a:avLst/>
+          </a:prstGeom>
+        </p:spPr>
+        <p:txBody>
+          <a:bodyPr spcFirstLastPara="1" wrap="square" lIns="91425" tIns="91425" rIns="91425" bIns="91425" anchor="t" anchorCtr="0">
+            <a:noAutofit/>
+          </a:bodyPr>
+          <a:lstStyle/>
+          <a:p>
+            <a:pPr marL="0" lvl="0" indent="0" algn="l" rtl="0">
+              <a:spcBef>
+                <a:spcPts val="0"/>
+              </a:spcBef>
+              <a:spcAft>
+                <a:spcPts val="0"/>
+              </a:spcAft>
+              <a:buNone/>
+            </a:pPr>
+            <a:r>
+              <a:rPr lang="en-US" sz="2400" dirty="0">
+                <a:latin typeface="Times New Roman"/>
+                <a:ea typeface="Times New Roman"/>
+                <a:cs typeface="Times New Roman"/>
+                <a:sym typeface="Times New Roman"/>
+              </a:rPr>
+              <a:t>Process mining</a:t>
+            </a:r>
+            <a:endParaRPr sz="2400" dirty="0">
+              <a:latin typeface="Times New Roman"/>
+              <a:ea typeface="Times New Roman"/>
+              <a:cs typeface="Times New Roman"/>
+              <a:sym typeface="Times New Roman"/>
+            </a:endParaRPr>
+          </a:p>
+        </p:txBody>
+      </p:sp>
+      <p:pic>
+        <p:nvPicPr>
+          <p:cNvPr id="5" name="Рисунок 4">
+            <a:extLst>
+              <a:ext uri="{FF2B5EF4-FFF2-40B4-BE49-F238E27FC236}">
+                <a16:creationId xmlns:a16="http://schemas.microsoft.com/office/drawing/2014/main" id="{A219B298-7142-40E9-BC46-F3FB0F5F06ED}"/>
+              </a:ext>
+            </a:extLst>
+          </p:cNvPr>
+          <p:cNvPicPr>
+            <a:picLocks noChangeAspect="1"/>
+          </p:cNvPicPr>
+          <p:nvPr/>
+        </p:nvPicPr>
+        <p:blipFill>
+          <a:blip r:embed="rId3"/>
+          <a:stretch>
+            <a:fillRect/>
+          </a:stretch>
+        </p:blipFill>
+        <p:spPr>
+          <a:xfrm>
+            <a:off x="0" y="1080890"/>
+            <a:ext cx="9144000" cy="3653964"/>
+          </a:xfrm>
+          <a:prstGeom prst="rect">
+            <a:avLst/>
+          </a:prstGeom>
+        </p:spPr>
+      </p:pic>
+    </p:spTree>
+    <p:extLst>
+      <p:ext uri="{BB962C8B-B14F-4D97-AF65-F5344CB8AC3E}">
+        <p14:creationId xmlns:p14="http://schemas.microsoft.com/office/powerpoint/2010/main" val="1379812105"/>
+      </p:ext>
+    </p:extLst>
+  </p:cSld>
+  <p:clrMapOvr>
+    <a:masterClrMapping/>
+  </p:clrMapOvr>
+</p:sld>
+</file>
+
+<file path=ppt/slides/slide11.xml><?xml version="1.0" encoding="utf-8"?>
+<p:sld xmlns:a="http://schemas.openxmlformats.org/drawingml/2006/main" xmlns:r="http://schemas.openxmlformats.org/officeDocument/2006/relationships" xmlns:p="http://schemas.openxmlformats.org/presentationml/2006/main">
+  <p:cSld>
+    <p:spTree>
+      <p:nvGrpSpPr>
+        <p:cNvPr id="1" name="Shape 94"/>
+        <p:cNvGrpSpPr/>
+        <p:nvPr/>
+      </p:nvGrpSpPr>
+      <p:grpSpPr>
+        <a:xfrm>
+          <a:off x="0" y="0"/>
+          <a:ext cx="0" cy="0"/>
+          <a:chOff x="0" y="0"/>
+          <a:chExt cx="0" cy="0"/>
+        </a:xfrm>
+      </p:grpSpPr>
+      <p:sp>
+        <p:nvSpPr>
+          <p:cNvPr id="95" name="Google Shape;95;p14"/>
+          <p:cNvSpPr txBox="1">
+            <a:spLocks noGrp="1"/>
+          </p:cNvSpPr>
+          <p:nvPr>
+            <p:ph type="title"/>
+          </p:nvPr>
+        </p:nvSpPr>
+        <p:spPr>
+          <a:xfrm>
+            <a:off x="727650" y="588100"/>
+            <a:ext cx="7688700" cy="535200"/>
+          </a:xfrm>
+          <a:prstGeom prst="rect">
+            <a:avLst/>
+          </a:prstGeom>
+        </p:spPr>
+        <p:txBody>
+          <a:bodyPr spcFirstLastPara="1" wrap="square" lIns="91425" tIns="91425" rIns="91425" bIns="91425" anchor="t" anchorCtr="0">
+            <a:noAutofit/>
+          </a:bodyPr>
+          <a:lstStyle/>
+          <a:p>
+            <a:pPr marL="0" lvl="0" indent="0" algn="l" rtl="0">
+              <a:spcBef>
+                <a:spcPts val="0"/>
+              </a:spcBef>
+              <a:spcAft>
+                <a:spcPts val="0"/>
+              </a:spcAft>
+              <a:buNone/>
+            </a:pPr>
+            <a:r>
+              <a:rPr lang="ru-RU" sz="2400" dirty="0">
+                <a:latin typeface="Times New Roman"/>
+                <a:ea typeface="Times New Roman"/>
+                <a:cs typeface="Times New Roman"/>
+                <a:sym typeface="Times New Roman"/>
+              </a:rPr>
+              <a:t>Спасибо за внимание</a:t>
+            </a:r>
+            <a:endParaRPr sz="2400" dirty="0">
+              <a:latin typeface="Times New Roman"/>
+              <a:ea typeface="Times New Roman"/>
+              <a:cs typeface="Times New Roman"/>
+              <a:sym typeface="Times New Roman"/>
+            </a:endParaRPr>
+          </a:p>
+        </p:txBody>
+      </p:sp>
+      <p:sp>
+        <p:nvSpPr>
+          <p:cNvPr id="3" name="Текст 2">
+            <a:extLst>
+              <a:ext uri="{FF2B5EF4-FFF2-40B4-BE49-F238E27FC236}">
+                <a16:creationId xmlns:a16="http://schemas.microsoft.com/office/drawing/2014/main" id="{D761CE32-CC3F-48AC-A17F-0ECD2C2E6C16}"/>
+              </a:ext>
+            </a:extLst>
+          </p:cNvPr>
+          <p:cNvSpPr>
+            <a:spLocks noGrp="1"/>
+          </p:cNvSpPr>
+          <p:nvPr>
+            <p:ph type="body" idx="1"/>
+          </p:nvPr>
+        </p:nvSpPr>
+        <p:spPr>
+          <a:xfrm>
+            <a:off x="531147" y="1441200"/>
+            <a:ext cx="7688700" cy="2261100"/>
+          </a:xfrm>
+        </p:spPr>
+        <p:txBody>
+          <a:bodyPr/>
+          <a:lstStyle/>
+          <a:p>
+            <a:pPr marL="146050" indent="0">
+              <a:buNone/>
+            </a:pPr>
+            <a:r>
+              <a:rPr lang="ru-RU" sz="1800" dirty="0"/>
+              <a:t>Презентацию подготовил Пан Филипп, группа ИСиП-33</a:t>
+            </a:r>
+          </a:p>
+        </p:txBody>
+      </p:sp>
+    </p:spTree>
+    <p:extLst>
+      <p:ext uri="{BB962C8B-B14F-4D97-AF65-F5344CB8AC3E}">
+        <p14:creationId xmlns:p14="http://schemas.microsoft.com/office/powerpoint/2010/main" val="4125611233"/>
+      </p:ext>
+    </p:extLst>
+  </p:cSld>
+  <p:clrMapOvr>
+    <a:masterClrMapping/>
+  </p:clrMapOvr>
+</p:sld>
+</file>
+
 <file path=ppt/slides/slide2.xml><?xml version="1.0" encoding="utf-8"?>
 <p:sld xmlns:a="http://schemas.openxmlformats.org/drawingml/2006/main" xmlns:r="http://schemas.openxmlformats.org/officeDocument/2006/relationships" xmlns:p="http://schemas.openxmlformats.org/presentationml/2006/main">
   <p:cSld>
@@ -8359,36 +8848,6 @@
           <a:chExt cx="0" cy="0"/>
         </a:xfrm>
       </p:grpSpPr>
-      <p:pic>
-        <p:nvPicPr>
-          <p:cNvPr id="2" name="Рисунок 1"/>
-          <p:cNvPicPr>
-            <a:picLocks noChangeAspect="1"/>
-          </p:cNvPicPr>
-          <p:nvPr/>
-        </p:nvPicPr>
-        <p:blipFill>
-          <a:blip r:embed="rId3">
-            <a:extLst>
-              <a:ext uri="{28A0092B-C50C-407E-A947-70E740481C1C}">
-                <a14:useLocalDpi xmlns:a14="http://schemas.microsoft.com/office/drawing/2010/main" val="0"/>
-              </a:ext>
-            </a:extLst>
-          </a:blip>
-          <a:stretch>
-            <a:fillRect/>
-          </a:stretch>
-        </p:blipFill>
-        <p:spPr>
-          <a:xfrm>
-            <a:off x="774032" y="1317384"/>
-            <a:ext cx="1522982" cy="1522982"/>
-          </a:xfrm>
-          <a:prstGeom prst="rect">
-            <a:avLst/>
-          </a:prstGeom>
-        </p:spPr>
-      </p:pic>
       <p:sp>
         <p:nvSpPr>
           <p:cNvPr id="95" name="Google Shape;95;p14"/>
@@ -8416,40 +8875,13 @@
           <a:p>
             <a:pPr lvl="0"/>
             <a:r>
-              <a:rPr lang="ru-RU" sz="2400" dirty="0" smtClean="0">
-                <a:latin typeface="Times New Roman"/>
-                <a:ea typeface="Times New Roman"/>
-                <a:cs typeface="Times New Roman"/>
-                <a:sym typeface="Times New Roman"/>
-              </a:rPr>
-              <a:t>Описание </a:t>
-            </a:r>
-            <a:r>
               <a:rPr lang="ru-RU" sz="2400" dirty="0">
                 <a:latin typeface="Times New Roman"/>
                 <a:ea typeface="Times New Roman"/>
                 <a:cs typeface="Times New Roman"/>
                 <a:sym typeface="Times New Roman"/>
               </a:rPr>
-              <a:t>организации </a:t>
-            </a:r>
-            <a:r>
-              <a:rPr lang="ru-RU" sz="2400" dirty="0" smtClean="0">
-                <a:latin typeface="Times New Roman"/>
-                <a:ea typeface="Times New Roman"/>
-                <a:cs typeface="Times New Roman"/>
-                <a:sym typeface="Times New Roman"/>
-              </a:rPr>
-              <a:t>и предметной </a:t>
-            </a:r>
-            <a:r>
-              <a:rPr lang="ru-RU" sz="2400" dirty="0">
-                <a:latin typeface="Times New Roman"/>
-                <a:ea typeface="Times New Roman"/>
-                <a:cs typeface="Times New Roman"/>
-                <a:sym typeface="Times New Roman"/>
-              </a:rPr>
-              <a:t>области</a:t>
+              <a:t>Описание организации и предметной области</a:t>
             </a:r>
             <a:endParaRPr sz="2400" dirty="0">
               <a:latin typeface="Times New Roman"/>
@@ -8476,7 +8908,12 @@
             <p:ph type="body" idx="1"/>
           </p:nvPr>
         </p:nvSpPr>
-        <p:spPr/>
+        <p:spPr>
+          <a:xfrm>
+            <a:off x="122708" y="2638593"/>
+            <a:ext cx="8920241" cy="2504907"/>
+          </a:xfrm>
+        </p:spPr>
         <p:txBody>
           <a:bodyPr/>
           <a:lstStyle/>
@@ -8484,54 +8921,50 @@
             <a:pPr marL="146050" indent="0">
               <a:buNone/>
             </a:pPr>
-            <a:endParaRPr lang="en-US" dirty="0" smtClean="0"/>
+            <a:endParaRPr lang="en-US" dirty="0"/>
           </a:p>
           <a:p>
             <a:pPr marL="146050" indent="0">
               <a:buNone/>
             </a:pPr>
-            <a:endParaRPr lang="en-US" dirty="0" smtClean="0"/>
+            <a:endParaRPr lang="en-US" dirty="0"/>
           </a:p>
           <a:p>
             <a:pPr marL="146050" indent="0">
               <a:buNone/>
             </a:pPr>
-            <a:endParaRPr lang="en-US" dirty="0" smtClean="0"/>
+            <a:endParaRPr lang="en-US" dirty="0"/>
           </a:p>
           <a:p>
             <a:pPr marL="146050" indent="0">
               <a:buNone/>
             </a:pPr>
             <a:r>
-              <a:rPr lang="ru-RU" dirty="0" smtClean="0"/>
+              <a:rPr lang="ru-RU" sz="1600" dirty="0"/>
               <a:t>ООО «</a:t>
             </a:r>
             <a:r>
-              <a:rPr lang="en-US" dirty="0" smtClean="0"/>
+              <a:rPr lang="en-US" sz="1600" dirty="0"/>
               <a:t>Arrival</a:t>
             </a:r>
             <a:r>
-              <a:rPr lang="ru-RU" dirty="0" smtClean="0"/>
-              <a:t>» занимается </a:t>
+              <a:rPr lang="ru-RU" sz="1600" dirty="0"/>
+              <a:t>» занимается созданием электромобилей. Ключевая разработка компании — платформа для модульной сборки, в которую входят аккумуляторная батарея, электродвигатель и компоненты трансмиссии. </a:t>
             </a:r>
             <a:r>
-              <a:rPr lang="ru-RU" dirty="0"/>
-              <a:t>созданием электромобилей, причем участвует в каждой стадии производственной цепочки: от разработки ПО, материалов и компонентов до конечной сборки. Ключевая разработка компании — платформа для модульной сборки, в которую входят аккумуляторная батарея, электродвигатель и компоненты трансмиссии. </a:t>
-            </a:r>
-            <a:r>
-              <a:rPr lang="ru-RU" dirty="0" err="1"/>
+              <a:rPr lang="ru-RU" sz="1600" dirty="0" err="1"/>
               <a:t>Arrival</a:t>
             </a:r>
             <a:r>
-              <a:rPr lang="ru-RU" dirty="0"/>
+              <a:rPr lang="ru-RU" sz="1600" dirty="0"/>
               <a:t> может производить как легковые автомобили, так и грузовые фургоны. Производственные мощности и научно-исследовательские центры </a:t>
             </a:r>
             <a:r>
-              <a:rPr lang="ru-RU" dirty="0" err="1"/>
+              <a:rPr lang="ru-RU" sz="1600" dirty="0" err="1"/>
               <a:t>Arrival</a:t>
             </a:r>
             <a:r>
-              <a:rPr lang="ru-RU" dirty="0"/>
+              <a:rPr lang="ru-RU" sz="1600" dirty="0"/>
               <a:t> расположены в США, Германии, Израиле, России и Великобритании. </a:t>
             </a:r>
           </a:p>
@@ -8540,7 +8973,7 @@
               <a:buNone/>
             </a:pPr>
             <a:r>
-              <a:rPr lang="ru-RU" dirty="0" smtClean="0"/>
+              <a:rPr lang="ru-RU" sz="1600" dirty="0"/>
               <a:t> </a:t>
             </a:r>
           </a:p>
@@ -8548,10 +8981,70 @@
             <a:pPr marL="146050" indent="0">
               <a:buNone/>
             </a:pPr>
-            <a:endParaRPr lang="ru-RU" dirty="0" smtClean="0"/>
+            <a:endParaRPr lang="ru-RU" dirty="0"/>
           </a:p>
         </p:txBody>
       </p:sp>
+      <p:pic>
+        <p:nvPicPr>
+          <p:cNvPr id="7" name="Рисунок 6">
+            <a:extLst>
+              <a:ext uri="{FF2B5EF4-FFF2-40B4-BE49-F238E27FC236}">
+                <a16:creationId xmlns:a16="http://schemas.microsoft.com/office/drawing/2014/main" id="{9A3B63A1-2B89-47E5-BE84-68EFA408DCA0}"/>
+              </a:ext>
+            </a:extLst>
+          </p:cNvPr>
+          <p:cNvPicPr>
+            <a:picLocks noChangeAspect="1"/>
+          </p:cNvPicPr>
+          <p:nvPr/>
+        </p:nvPicPr>
+        <p:blipFill>
+          <a:blip r:embed="rId3"/>
+          <a:stretch>
+            <a:fillRect/>
+          </a:stretch>
+        </p:blipFill>
+        <p:spPr>
+          <a:xfrm>
+            <a:off x="5926051" y="1100128"/>
+            <a:ext cx="3095241" cy="2210518"/>
+          </a:xfrm>
+          <a:prstGeom prst="rect">
+            <a:avLst/>
+          </a:prstGeom>
+        </p:spPr>
+      </p:pic>
+      <p:pic>
+        <p:nvPicPr>
+          <p:cNvPr id="9" name="Рисунок 8">
+            <a:extLst>
+              <a:ext uri="{FF2B5EF4-FFF2-40B4-BE49-F238E27FC236}">
+                <a16:creationId xmlns:a16="http://schemas.microsoft.com/office/drawing/2014/main" id="{E0AA80CF-6F08-4155-86F6-95A7B032C148}"/>
+              </a:ext>
+            </a:extLst>
+          </p:cNvPr>
+          <p:cNvPicPr>
+            <a:picLocks noChangeAspect="1"/>
+          </p:cNvPicPr>
+          <p:nvPr/>
+        </p:nvPicPr>
+        <p:blipFill>
+          <a:blip r:embed="rId4"/>
+          <a:stretch>
+            <a:fillRect/>
+          </a:stretch>
+        </p:blipFill>
+        <p:spPr>
+          <a:xfrm>
+            <a:off x="1325208" y="1123300"/>
+            <a:ext cx="3061855" cy="2296391"/>
+          </a:xfrm>
+          <a:prstGeom prst="rect">
+            <a:avLst/>
+          </a:prstGeom>
+        </p:spPr>
+      </p:pic>
     </p:spTree>
   </p:cSld>
   <p:clrMapOvr>
@@ -8610,16 +9103,7 @@
                 <a:cs typeface="Times New Roman"/>
                 <a:sym typeface="Times New Roman"/>
               </a:rPr>
-              <a:t>Описание процессов в </a:t>
-            </a:r>
-            <a:r>
-              <a:rPr lang="ru-RU" sz="2400" dirty="0" smtClean="0">
-                <a:latin typeface="Times New Roman"/>
-                <a:ea typeface="Times New Roman"/>
-                <a:cs typeface="Times New Roman"/>
-                <a:sym typeface="Times New Roman"/>
-              </a:rPr>
-              <a:t>организации</a:t>
+              <a:t>Описание процессов в организации</a:t>
             </a:r>
             <a:endParaRPr sz="2400" dirty="0">
               <a:latin typeface="Times New Roman"/>
@@ -8648,8 +9132,8 @@
         </p:nvSpPr>
         <p:spPr>
           <a:xfrm>
-            <a:off x="729450" y="2078875"/>
-            <a:ext cx="7838080" cy="2261100"/>
+            <a:off x="170761" y="1605150"/>
+            <a:ext cx="8802477" cy="2261100"/>
           </a:xfrm>
         </p:spPr>
         <p:txBody>
@@ -8660,27 +9144,9 @@
               <a:buNone/>
             </a:pPr>
             <a:r>
-              <a:rPr lang="ru-RU" dirty="0" smtClean="0"/>
-              <a:t>Компания состоит из множества различных департаментов. Есть отдел инженеров, которые занимаются проектированием и дизайном деталей для электромобилей, есть те, кто производят прототипы этих изделий, есть отдел инженеров, которые производят и устанавливают детали, отдел продаж, отдел финансов. Каждый отдел производит большой объем данных в разных формах и хранит в разных местах. </a:t>
+              <a:rPr lang="ru-RU" sz="1800" dirty="0"/>
+              <a:t>Данная компания занимается разработкой и производством электромобилей на всех стадиях: от изучения и производства композитных материалов до продаж готового продукта конечному пользователю. Видением компании является производство экологичного электротранспорта, который будет дешевле и доступнее автомобилей, использующих горючие топлива.</a:t>
             </a:r>
-          </a:p>
-          <a:p>
-            <a:pPr marL="146050" indent="0">
-              <a:buNone/>
-            </a:pPr>
-            <a:r>
-              <a:rPr lang="ru-RU" dirty="0" smtClean="0"/>
-              <a:t>Сейчас компания находится на этапе перехода со стадии </a:t>
-            </a:r>
-            <a:r>
-              <a:rPr lang="en-US" dirty="0" smtClean="0"/>
-              <a:t>R&amp;D</a:t>
-            </a:r>
-            <a:r>
-              <a:rPr lang="ru-RU" dirty="0" smtClean="0"/>
-              <a:t> на массовое производство. Это означает автоматизацию и роботизацию всех производственных процессов.</a:t>
-            </a:r>
-            <a:endParaRPr lang="ru-RU" dirty="0"/>
           </a:p>
         </p:txBody>
       </p:sp>
@@ -8774,7 +9240,12 @@
             <p:ph type="body" idx="1"/>
           </p:nvPr>
         </p:nvSpPr>
-        <p:spPr/>
+        <p:spPr>
+          <a:xfrm>
+            <a:off x="189622" y="1572099"/>
+            <a:ext cx="8833191" cy="3010918"/>
+          </a:xfrm>
+        </p:spPr>
         <p:txBody>
           <a:bodyPr/>
           <a:lstStyle/>
@@ -8783,18 +9254,17 @@
               <a:buNone/>
             </a:pPr>
             <a:r>
-              <a:rPr lang="ru-RU" dirty="0" smtClean="0"/>
-              <a:t>Компания несет убытки из-за невыполненных сроков работ, потому что ввиду </a:t>
+              <a:rPr lang="ru-RU" sz="1800" dirty="0"/>
+              <a:t>Для того, чтобы сделать свой продукт максимально дешевым для покупателей, компания стремится максимально удешевить производство, сохраняя при этом достойное качество. Достичь этого ООО </a:t>
             </a:r>
             <a:r>
-              <a:rPr lang="ru-RU" dirty="0" err="1" smtClean="0"/>
-              <a:t>неструктурированности</a:t>
+              <a:rPr lang="ru-RU" sz="1800" dirty="0" err="1"/>
+              <a:t>Эррайвал</a:t>
             </a:r>
             <a:r>
-              <a:rPr lang="ru-RU" dirty="0" smtClean="0"/>
-              <a:t> данных многие процессы тормозят производство. Четкие и подробные инструкции по выполнению некоторых этапов работ хранятся иногда только в головах специалистов, а для роботизации заводов нужно будет все эти данные и инструкции передавать оборудованию. Иногда по одному и тому же пункту в одной системе одни данные, а в отчетах другой системы – другие. </a:t>
+              <a:rPr lang="ru-RU" sz="1800" dirty="0"/>
+              <a:t> Рус планирует путем создания уникального полностью автоматизированного и роботизированного производства с минимальным привлечением сотрудников. Это является основной задачей для достижения конечной цели и позволит потом продавать не только электротранспорт как продукт, но и способ и технологию автоматизированного производства. </a:t>
             </a:r>
-            <a:endParaRPr lang="ru-RU" dirty="0"/>
           </a:p>
         </p:txBody>
       </p:sp>
@@ -8855,31 +9325,13 @@
           <a:p>
             <a:pPr lvl="0"/>
             <a:r>
-              <a:rPr lang="ru-RU" sz="2400" dirty="0" smtClean="0">
-                <a:latin typeface="Times New Roman"/>
-                <a:ea typeface="Times New Roman"/>
-                <a:cs typeface="Times New Roman"/>
-                <a:sym typeface="Times New Roman"/>
-              </a:rPr>
-              <a:t>Формулировка </a:t>
-            </a:r>
-            <a:r>
               <a:rPr lang="ru-RU" sz="2400" dirty="0">
                 <a:latin typeface="Times New Roman"/>
                 <a:ea typeface="Times New Roman"/>
                 <a:cs typeface="Times New Roman"/>
                 <a:sym typeface="Times New Roman"/>
               </a:rPr>
-              <a:t>проблемы </a:t>
-            </a:r>
-            <a:r>
-              <a:rPr lang="ru-RU" sz="2400" dirty="0" smtClean="0">
-                <a:latin typeface="Times New Roman"/>
-                <a:ea typeface="Times New Roman"/>
-                <a:cs typeface="Times New Roman"/>
-                <a:sym typeface="Times New Roman"/>
-              </a:rPr>
-              <a:t>организации</a:t>
+              <a:t>Формулировка проблемы организации</a:t>
             </a:r>
             <a:endParaRPr sz="2400" dirty="0">
               <a:latin typeface="Times New Roman"/>
@@ -8906,97 +9358,32 @@
             <p:ph type="body" idx="1"/>
           </p:nvPr>
         </p:nvSpPr>
-        <p:spPr/>
+        <p:spPr>
+          <a:xfrm>
+            <a:off x="156572" y="1539048"/>
+            <a:ext cx="8811157" cy="2933800"/>
+          </a:xfrm>
+        </p:spPr>
         <p:txBody>
           <a:bodyPr/>
           <a:lstStyle/>
           <a:p>
-            <a:pPr marL="146050" indent="0">
+            <a:pPr indent="0" algn="just">
+              <a:lnSpc>
+                <a:spcPct val="150000"/>
+              </a:lnSpc>
               <a:buNone/>
             </a:pPr>
             <a:r>
-              <a:rPr lang="ru-RU" dirty="0" smtClean="0"/>
-              <a:t>В </a:t>
+              <a:rPr lang="ru-RU" sz="1800" dirty="0"/>
+              <a:t>На данный момент проблемой является отсутствие единого понимания и схемы эталонных бизнес-процессов. Необходимо построить карту всех процессов для того, чтобы по этим алгоритмам работало производство с минимальным привлечением сотрудников. </a:t>
             </a:r>
-            <a:r>
-              <a:rPr lang="ru-RU" dirty="0"/>
-              <a:t>компании все бизнес процессы разрознены, нет четкого понимания, как должен выглядеть эталонный процесс производства. </a:t>
-            </a:r>
-            <a:r>
-              <a:rPr lang="ru-RU" dirty="0" smtClean="0"/>
-              <a:t>Все </a:t>
-            </a:r>
-            <a:r>
-              <a:rPr lang="ru-RU" dirty="0"/>
-              <a:t>производимые данные мало связаны друг с другом, не структурированы и не имеют единой системы </a:t>
-            </a:r>
-            <a:r>
-              <a:rPr lang="ru-RU" dirty="0" smtClean="0"/>
-              <a:t>хранения</a:t>
-            </a:r>
-            <a:r>
-              <a:rPr lang="ru-RU" dirty="0"/>
-              <a:t>, а системы в свою очередь проинтегрированы напрямую</a:t>
-            </a:r>
-            <a:r>
-              <a:rPr lang="ru-RU" dirty="0" smtClean="0"/>
-              <a:t>.  </a:t>
-            </a:r>
-            <a:r>
-              <a:rPr lang="ru-RU" dirty="0"/>
-              <a:t>А для того чтобы сделать </a:t>
-            </a:r>
-            <a:r>
-              <a:rPr lang="ru-RU" dirty="0" smtClean="0"/>
-              <a:t>роботизированное </a:t>
-            </a:r>
-            <a:r>
-              <a:rPr lang="ru-RU" dirty="0"/>
-              <a:t>производство, нужно точно от и до знать весь процесс производства на этапе </a:t>
-            </a:r>
-            <a:r>
-              <a:rPr lang="en-US" dirty="0"/>
-              <a:t>R&amp;D</a:t>
-            </a:r>
-            <a:r>
-              <a:rPr lang="ru-RU" dirty="0"/>
-              <a:t>, иметь все данные о </a:t>
-            </a:r>
-            <a:r>
-              <a:rPr lang="ru-RU" dirty="0" smtClean="0"/>
-              <a:t>нем и составить модель</a:t>
-            </a:r>
-            <a:r>
-              <a:rPr lang="en-US" dirty="0" smtClean="0"/>
-              <a:t>. </a:t>
-            </a:r>
-            <a:r>
-              <a:rPr lang="ru-RU" dirty="0" smtClean="0"/>
-              <a:t>Но ни </a:t>
-            </a:r>
-            <a:r>
-              <a:rPr lang="ru-RU" dirty="0"/>
-              <a:t>один бизнес аналитик не может </a:t>
-            </a:r>
-            <a:r>
-              <a:rPr lang="ru-RU" dirty="0" smtClean="0"/>
-              <a:t>изобразить </a:t>
-            </a:r>
-            <a:r>
-              <a:rPr lang="ru-RU" dirty="0"/>
-              <a:t>бизнес процесс таким, какой он будет в реальной жизни</a:t>
-            </a:r>
-            <a:r>
-              <a:rPr lang="ru-RU" dirty="0" smtClean="0"/>
-              <a:t>. </a:t>
-            </a:r>
-            <a:endParaRPr lang="ru-RU" dirty="0"/>
           </a:p>
           <a:p>
             <a:pPr marL="146050" indent="0">
               <a:buNone/>
             </a:pPr>
-            <a:endParaRPr lang="ru-RU" dirty="0"/>
+            <a:endParaRPr lang="ru-RU" sz="2000" dirty="0"/>
           </a:p>
         </p:txBody>
       </p:sp>
@@ -9090,7 +9477,12 @@
             <p:ph type="body" idx="1"/>
           </p:nvPr>
         </p:nvSpPr>
-        <p:spPr/>
+        <p:spPr>
+          <a:xfrm>
+            <a:off x="0" y="1441200"/>
+            <a:ext cx="9144000" cy="3114200"/>
+          </a:xfrm>
+        </p:spPr>
         <p:txBody>
           <a:bodyPr/>
           <a:lstStyle/>
@@ -9099,26 +9491,9 @@
               <a:buNone/>
             </a:pPr>
             <a:r>
-              <a:rPr lang="ru-RU" dirty="0" smtClean="0"/>
-              <a:t>Проанализировать и структурировать данные и на их основании построить бизнес процесс производства, чтобы получить </a:t>
+              <a:rPr lang="ru-RU" sz="2000" dirty="0"/>
+              <a:t>Поэтому целью дипломной работы будет получить инсайты и найти проблемные места в построенной с использованием системы процесс майнинга карте бизнес-процессов.</a:t>
             </a:r>
-            <a:r>
-              <a:rPr lang="ru-RU" dirty="0" err="1" smtClean="0"/>
-              <a:t>инсайты</a:t>
-            </a:r>
-            <a:r>
-              <a:rPr lang="ru-RU" dirty="0" smtClean="0"/>
-              <a:t>. Это поможет </a:t>
-            </a:r>
-            <a:r>
-              <a:rPr lang="en-US" dirty="0" smtClean="0"/>
-              <a:t>SEO </a:t>
-            </a:r>
-            <a:r>
-              <a:rPr lang="ru-RU" dirty="0" smtClean="0"/>
-              <a:t>увидеть узкие места и принять правильные решения, поможет увидеть, какие звенья цепи и процессы могут быть автоматизированы, упрощены или исключены.</a:t>
-            </a:r>
-            <a:endParaRPr lang="ru-RU" dirty="0"/>
           </a:p>
         </p:txBody>
       </p:sp>
@@ -9212,54 +9587,240 @@
             <p:ph type="body" idx="1"/>
           </p:nvPr>
         </p:nvSpPr>
-        <p:spPr/>
+        <p:spPr>
+          <a:xfrm>
+            <a:off x="727650" y="1123300"/>
+            <a:ext cx="7688700" cy="3503390"/>
+          </a:xfrm>
+        </p:spPr>
         <p:txBody>
           <a:bodyPr/>
           <a:lstStyle/>
           <a:p>
+            <a:pPr marL="342900" lvl="0" indent="-342900" algn="just">
+              <a:lnSpc>
+                <a:spcPct val="150000"/>
+              </a:lnSpc>
+              <a:buFont typeface="Symbol" panose="05050102010706020507" pitchFamily="18" charset="2"/>
+              <a:buChar char=""/>
+            </a:pPr>
             <a:r>
-              <a:rPr lang="ru-RU" dirty="0" smtClean="0"/>
-              <a:t>Провести подготовительную </a:t>
+              <a:rPr lang="ru-RU" sz="1600" dirty="0">
+                <a:effectLst/>
+                <a:latin typeface="Times New Roman" panose="02020603050405020304" pitchFamily="18" charset="0"/>
+                <a:ea typeface="Calibri" panose="020F0502020204030204" pitchFamily="34" charset="0"/>
+                <a:cs typeface="Times New Roman" panose="02020603050405020304" pitchFamily="18" charset="0"/>
+              </a:rPr>
+              <a:t>Изучение организации ООО «</a:t>
             </a:r>
             <a:r>
-              <a:rPr lang="ru-RU" dirty="0" smtClean="0"/>
-              <a:t>разметку имеющихся данных</a:t>
+              <a:rPr lang="ru-RU" sz="1600" dirty="0" err="1">
+                <a:effectLst/>
+                <a:latin typeface="Times New Roman" panose="02020603050405020304" pitchFamily="18" charset="0"/>
+                <a:ea typeface="Calibri" panose="020F0502020204030204" pitchFamily="34" charset="0"/>
+                <a:cs typeface="Times New Roman" panose="02020603050405020304" pitchFamily="18" charset="0"/>
+              </a:rPr>
+              <a:t>Эррайвал</a:t>
             </a:r>
-            <a:endParaRPr lang="ru-RU" dirty="0" smtClean="0"/>
+            <a:r>
+              <a:rPr lang="ru-RU" sz="1600" dirty="0">
+                <a:effectLst/>
+                <a:latin typeface="Times New Roman" panose="02020603050405020304" pitchFamily="18" charset="0"/>
+                <a:ea typeface="Calibri" panose="020F0502020204030204" pitchFamily="34" charset="0"/>
+                <a:cs typeface="Times New Roman" panose="02020603050405020304" pitchFamily="18" charset="0"/>
+              </a:rPr>
+              <a:t> Рус»;</a:t>
+            </a:r>
+            <a:endParaRPr lang="ru-RU" sz="1600" dirty="0">
+              <a:effectLst/>
+              <a:latin typeface="Calibri" panose="020F0502020204030204" pitchFamily="34" charset="0"/>
+              <a:ea typeface="Calibri" panose="020F0502020204030204" pitchFamily="34" charset="0"/>
+              <a:cs typeface="Times New Roman" panose="02020603050405020304" pitchFamily="18" charset="0"/>
+            </a:endParaRPr>
           </a:p>
           <a:p>
+            <a:pPr marL="342900" lvl="0" indent="-342900" algn="just">
+              <a:lnSpc>
+                <a:spcPct val="150000"/>
+              </a:lnSpc>
+              <a:buFont typeface="Symbol" panose="05050102010706020507" pitchFamily="18" charset="2"/>
+              <a:buChar char=""/>
+            </a:pPr>
             <a:r>
-              <a:rPr lang="ru-RU" dirty="0" smtClean="0"/>
-              <a:t>Консолидировать все данные в одном аналитическом хранилище </a:t>
+              <a:rPr lang="ru-RU" sz="1600" dirty="0">
+                <a:effectLst/>
+                <a:latin typeface="Times New Roman" panose="02020603050405020304" pitchFamily="18" charset="0"/>
+                <a:ea typeface="Calibri" panose="020F0502020204030204" pitchFamily="34" charset="0"/>
+                <a:cs typeface="Times New Roman" panose="02020603050405020304" pitchFamily="18" charset="0"/>
+              </a:rPr>
+              <a:t>Анализ области деятельности компании, с которой будет производиться работа;</a:t>
+            </a:r>
+            <a:endParaRPr lang="ru-RU" sz="1600" dirty="0">
+              <a:effectLst/>
+              <a:latin typeface="Calibri" panose="020F0502020204030204" pitchFamily="34" charset="0"/>
+              <a:ea typeface="Calibri" panose="020F0502020204030204" pitchFamily="34" charset="0"/>
+              <a:cs typeface="Times New Roman" panose="02020603050405020304" pitchFamily="18" charset="0"/>
+            </a:endParaRPr>
+          </a:p>
+          <a:p>
+            <a:pPr marL="342900" lvl="0" indent="-342900" algn="just">
+              <a:lnSpc>
+                <a:spcPct val="150000"/>
+              </a:lnSpc>
+              <a:buFont typeface="Symbol" panose="05050102010706020507" pitchFamily="18" charset="2"/>
+              <a:buChar char=""/>
+            </a:pPr>
+            <a:r>
+              <a:rPr lang="ru-RU" sz="1600" dirty="0">
+                <a:effectLst/>
+                <a:latin typeface="Times New Roman" panose="02020603050405020304" pitchFamily="18" charset="0"/>
+                <a:ea typeface="Calibri" panose="020F0502020204030204" pitchFamily="34" charset="0"/>
+                <a:cs typeface="Times New Roman" panose="02020603050405020304" pitchFamily="18" charset="0"/>
+              </a:rPr>
+              <a:t>Описать требования к системе;</a:t>
+            </a:r>
+            <a:endParaRPr lang="ru-RU" sz="1600" dirty="0">
+              <a:effectLst/>
+              <a:latin typeface="Calibri" panose="020F0502020204030204" pitchFamily="34" charset="0"/>
+              <a:ea typeface="Calibri" panose="020F0502020204030204" pitchFamily="34" charset="0"/>
+              <a:cs typeface="Times New Roman" panose="02020603050405020304" pitchFamily="18" charset="0"/>
+            </a:endParaRPr>
+          </a:p>
+          <a:p>
+            <a:pPr marL="342900" lvl="0" indent="-342900" algn="just">
+              <a:lnSpc>
+                <a:spcPct val="150000"/>
+              </a:lnSpc>
+              <a:buFont typeface="Symbol" panose="05050102010706020507" pitchFamily="18" charset="2"/>
+              <a:buChar char=""/>
+            </a:pPr>
+            <a:r>
+              <a:rPr lang="ru-RU" sz="1600" dirty="0">
+                <a:effectLst/>
+                <a:latin typeface="Times New Roman" panose="02020603050405020304" pitchFamily="18" charset="0"/>
+                <a:ea typeface="Calibri" panose="020F0502020204030204" pitchFamily="34" charset="0"/>
+                <a:cs typeface="Times New Roman" panose="02020603050405020304" pitchFamily="18" charset="0"/>
+              </a:rPr>
+              <a:t>Выбрать ПО для реализации;</a:t>
+            </a:r>
+            <a:endParaRPr lang="ru-RU" sz="1600" dirty="0">
+              <a:effectLst/>
+              <a:latin typeface="Calibri" panose="020F0502020204030204" pitchFamily="34" charset="0"/>
+              <a:ea typeface="Calibri" panose="020F0502020204030204" pitchFamily="34" charset="0"/>
+              <a:cs typeface="Times New Roman" panose="02020603050405020304" pitchFamily="18" charset="0"/>
+            </a:endParaRPr>
+          </a:p>
+          <a:p>
+            <a:pPr marL="342900" lvl="0" indent="-342900" algn="just">
+              <a:lnSpc>
+                <a:spcPct val="150000"/>
+              </a:lnSpc>
+              <a:buFont typeface="Symbol" panose="05050102010706020507" pitchFamily="18" charset="2"/>
+              <a:buChar char=""/>
+            </a:pPr>
+            <a:r>
+              <a:rPr lang="ru-RU" sz="1600" dirty="0">
+                <a:effectLst/>
+                <a:latin typeface="Times New Roman" panose="02020603050405020304" pitchFamily="18" charset="0"/>
+                <a:ea typeface="Calibri" panose="020F0502020204030204" pitchFamily="34" charset="0"/>
+                <a:cs typeface="Times New Roman" panose="02020603050405020304" pitchFamily="18" charset="0"/>
+              </a:rPr>
+              <a:t>Подготовка данных к анализу;</a:t>
+            </a:r>
+            <a:endParaRPr lang="ru-RU" sz="1600" dirty="0">
+              <a:effectLst/>
+              <a:latin typeface="Calibri" panose="020F0502020204030204" pitchFamily="34" charset="0"/>
+              <a:ea typeface="Calibri" panose="020F0502020204030204" pitchFamily="34" charset="0"/>
+              <a:cs typeface="Times New Roman" panose="02020603050405020304" pitchFamily="18" charset="0"/>
+            </a:endParaRPr>
+          </a:p>
+          <a:p>
+            <a:pPr marL="342900" lvl="0" indent="-342900" algn="just">
+              <a:lnSpc>
+                <a:spcPct val="150000"/>
+              </a:lnSpc>
+              <a:buFont typeface="Symbol" panose="05050102010706020507" pitchFamily="18" charset="2"/>
+              <a:buChar char=""/>
+            </a:pPr>
+            <a:r>
+              <a:rPr lang="ru-RU" sz="1600" dirty="0">
+                <a:effectLst/>
+                <a:latin typeface="Times New Roman" panose="02020603050405020304" pitchFamily="18" charset="0"/>
+                <a:ea typeface="Calibri" panose="020F0502020204030204" pitchFamily="34" charset="0"/>
+                <a:cs typeface="Times New Roman" panose="02020603050405020304" pitchFamily="18" charset="0"/>
+              </a:rPr>
+              <a:t>Построение схемы бизнес-процесса</a:t>
+            </a:r>
+            <a:endParaRPr lang="ru-RU" sz="1600" dirty="0">
+              <a:effectLst/>
+              <a:latin typeface="Calibri" panose="020F0502020204030204" pitchFamily="34" charset="0"/>
+              <a:ea typeface="Calibri" panose="020F0502020204030204" pitchFamily="34" charset="0"/>
+              <a:cs typeface="Times New Roman" panose="02020603050405020304" pitchFamily="18" charset="0"/>
+            </a:endParaRPr>
+          </a:p>
+          <a:p>
+            <a:pPr marL="342900" indent="-342900" algn="just">
+              <a:lnSpc>
+                <a:spcPct val="150000"/>
+              </a:lnSpc>
+              <a:buFont typeface="Symbol" panose="05050102010706020507" pitchFamily="18" charset="2"/>
+              <a:buChar char=""/>
+            </a:pPr>
+            <a:r>
+              <a:rPr lang="ru-RU" sz="1600" dirty="0">
+                <a:latin typeface="Times New Roman" panose="02020603050405020304" pitchFamily="18" charset="0"/>
+                <a:cs typeface="Times New Roman" panose="02020603050405020304" pitchFamily="18" charset="0"/>
+              </a:rPr>
+              <a:t>Выбор метрик и ключевых показателей эффективности</a:t>
             </a:r>
           </a:p>
           <a:p>
+            <a:pPr marL="342900" indent="-342900" algn="just">
+              <a:lnSpc>
+                <a:spcPct val="150000"/>
+              </a:lnSpc>
+              <a:buFont typeface="Symbol" panose="05050102010706020507" pitchFamily="18" charset="2"/>
+              <a:buChar char=""/>
+            </a:pPr>
             <a:r>
-              <a:rPr lang="ru-RU" dirty="0" smtClean="0"/>
-              <a:t>Подключить аналитическое хранилище к системе процесс </a:t>
-            </a:r>
-            <a:r>
-              <a:rPr lang="ru-RU" dirty="0" err="1" smtClean="0"/>
-              <a:t>майнинга</a:t>
-            </a:r>
-            <a:endParaRPr lang="ru-RU" dirty="0" smtClean="0"/>
-          </a:p>
-          <a:p>
-            <a:r>
-              <a:rPr lang="ru-RU" dirty="0" smtClean="0"/>
-              <a:t>Построить карты процессов</a:t>
+              <a:rPr lang="ru-RU" sz="1600" dirty="0">
+                <a:latin typeface="Times New Roman" panose="02020603050405020304" pitchFamily="18" charset="0"/>
+                <a:cs typeface="Times New Roman" panose="02020603050405020304" pitchFamily="18" charset="0"/>
+              </a:rPr>
+              <a:t>Определить узкие места и выявить инсайты по итогам анализа</a:t>
             </a:r>
           </a:p>
           <a:p>
+            <a:pPr marL="342900" indent="-342900" algn="just" fontAlgn="base">
+              <a:lnSpc>
+                <a:spcPct val="150000"/>
+              </a:lnSpc>
+              <a:buFont typeface="Symbol" panose="05050102010706020507" pitchFamily="18" charset="2"/>
+              <a:buChar char=""/>
+            </a:pPr>
             <a:r>
-              <a:rPr lang="ru-RU" dirty="0" smtClean="0"/>
-              <a:t>Получить необходимые </a:t>
+              <a:rPr lang="ru-RU" sz="1600" dirty="0">
+                <a:latin typeface="Times New Roman" panose="02020603050405020304" pitchFamily="18" charset="0"/>
+                <a:cs typeface="Times New Roman" panose="02020603050405020304" pitchFamily="18" charset="0"/>
+              </a:rPr>
+              <a:t>Описать технико-экономической составляющую</a:t>
             </a:r>
+          </a:p>
+          <a:p>
+            <a:pPr marL="342900" indent="-342900" algn="just">
+              <a:lnSpc>
+                <a:spcPct val="150000"/>
+              </a:lnSpc>
+              <a:buFont typeface="Symbol" panose="05050102010706020507" pitchFamily="18" charset="2"/>
+              <a:buChar char=""/>
+            </a:pPr>
             <a:r>
-              <a:rPr lang="ru-RU" dirty="0" err="1" smtClean="0"/>
-              <a:t>инсайты</a:t>
+              <a:rPr lang="ru-RU" sz="1600" dirty="0">
+                <a:latin typeface="Times New Roman" panose="02020603050405020304" pitchFamily="18" charset="0"/>
+                <a:cs typeface="Times New Roman" panose="02020603050405020304" pitchFamily="18" charset="0"/>
+              </a:rPr>
+              <a:t>Описать требования по технике безопасности и охране труда</a:t>
             </a:r>
-            <a:endParaRPr lang="ru-RU" dirty="0"/>
           </a:p>
         </p:txBody>
       </p:sp>
@@ -9277,6 +9838,91 @@
 </file>
 
 <file path=ppt/slides/slide8.xml><?xml version="1.0" encoding="utf-8"?>
+<p:sld xmlns:a="http://schemas.openxmlformats.org/drawingml/2006/main" xmlns:r="http://schemas.openxmlformats.org/officeDocument/2006/relationships" xmlns:p="http://schemas.openxmlformats.org/presentationml/2006/main">
+  <p:cSld>
+    <p:spTree>
+      <p:nvGrpSpPr>
+        <p:cNvPr id="1" name=""/>
+        <p:cNvGrpSpPr/>
+        <p:nvPr/>
+      </p:nvGrpSpPr>
+      <p:grpSpPr>
+        <a:xfrm>
+          <a:off x="0" y="0"/>
+          <a:ext cx="0" cy="0"/>
+          <a:chOff x="0" y="0"/>
+          <a:chExt cx="0" cy="0"/>
+        </a:xfrm>
+      </p:grpSpPr>
+      <p:sp>
+        <p:nvSpPr>
+          <p:cNvPr id="2" name="Заголовок 1">
+            <a:extLst>
+              <a:ext uri="{FF2B5EF4-FFF2-40B4-BE49-F238E27FC236}">
+                <a16:creationId xmlns:a16="http://schemas.microsoft.com/office/drawing/2014/main" id="{AB5BBED5-562C-45DE-99BA-1BDA40502E88}"/>
+              </a:ext>
+            </a:extLst>
+          </p:cNvPr>
+          <p:cNvSpPr>
+            <a:spLocks noGrp="1"/>
+          </p:cNvSpPr>
+          <p:nvPr>
+            <p:ph type="title"/>
+          </p:nvPr>
+        </p:nvSpPr>
+        <p:spPr/>
+        <p:txBody>
+          <a:bodyPr/>
+          <a:lstStyle/>
+          <a:p>
+            <a:endParaRPr lang="ru-RU"/>
+          </a:p>
+        </p:txBody>
+      </p:sp>
+      <p:pic>
+        <p:nvPicPr>
+          <p:cNvPr id="5" name="Рисунок 4">
+            <a:extLst>
+              <a:ext uri="{FF2B5EF4-FFF2-40B4-BE49-F238E27FC236}">
+                <a16:creationId xmlns:a16="http://schemas.microsoft.com/office/drawing/2014/main" id="{D39B4FA2-3EF6-4221-929E-C8C4407439C3}"/>
+              </a:ext>
+            </a:extLst>
+          </p:cNvPr>
+          <p:cNvPicPr>
+            <a:picLocks noChangeAspect="1"/>
+          </p:cNvPicPr>
+          <p:nvPr/>
+        </p:nvPicPr>
+        <p:blipFill>
+          <a:blip r:embed="rId2"/>
+          <a:stretch>
+            <a:fillRect/>
+          </a:stretch>
+        </p:blipFill>
+        <p:spPr>
+          <a:xfrm>
+            <a:off x="0" y="963644"/>
+            <a:ext cx="9144000" cy="3216212"/>
+          </a:xfrm>
+          <a:prstGeom prst="rect">
+            <a:avLst/>
+          </a:prstGeom>
+        </p:spPr>
+      </p:pic>
+    </p:spTree>
+    <p:extLst>
+      <p:ext uri="{BB962C8B-B14F-4D97-AF65-F5344CB8AC3E}">
+        <p14:creationId xmlns:p14="http://schemas.microsoft.com/office/powerpoint/2010/main" val="4189410276"/>
+      </p:ext>
+    </p:extLst>
+  </p:cSld>
+  <p:clrMapOvr>
+    <a:masterClrMapping/>
+  </p:clrMapOvr>
+</p:sld>
+</file>
+
+<file path=ppt/slides/slide9.xml><?xml version="1.0" encoding="utf-8"?>
 <p:sld xmlns:a="http://schemas.openxmlformats.org/drawingml/2006/main" xmlns:r="http://schemas.openxmlformats.org/officeDocument/2006/relationships" xmlns:p="http://schemas.openxmlformats.org/presentationml/2006/main">
   <p:cSld>
     <p:spTree>
@@ -9305,7 +9951,7 @@
         </p:nvSpPr>
         <p:spPr>
           <a:xfrm>
-            <a:off x="727650" y="588100"/>
+            <a:off x="729450" y="535925"/>
             <a:ext cx="7688700" cy="535200"/>
           </a:xfrm>
           <a:prstGeom prst="rect">
@@ -9328,13 +9974,13 @@
               <a:buNone/>
             </a:pPr>
             <a:r>
-              <a:rPr lang="ru-RU" sz="2400" dirty="0" smtClean="0">
+              <a:rPr lang="en-US" sz="2400" dirty="0">
                 <a:latin typeface="Times New Roman"/>
                 <a:ea typeface="Times New Roman"/>
                 <a:cs typeface="Times New Roman"/>
                 <a:sym typeface="Times New Roman"/>
               </a:rPr>
-              <a:t>Спасибо за внимание</a:t>
+              <a:t>Process mining</a:t>
             </a:r>
             <a:endParaRPr sz="2400" dirty="0">
               <a:latin typeface="Times New Roman"/>
@@ -9369,18 +10015,44 @@
             <a:pPr marL="146050" indent="0">
               <a:buNone/>
             </a:pPr>
-            <a:r>
-              <a:rPr lang="ru-RU" dirty="0" smtClean="0"/>
-              <a:t>Презентацию подготовил Пан Филипп, группа ИСиП-33</a:t>
-            </a:r>
             <a:endParaRPr lang="ru-RU" dirty="0"/>
           </a:p>
         </p:txBody>
       </p:sp>
+      <p:pic>
+        <p:nvPicPr>
+          <p:cNvPr id="6" name="Рисунок 5">
+            <a:extLst>
+              <a:ext uri="{FF2B5EF4-FFF2-40B4-BE49-F238E27FC236}">
+                <a16:creationId xmlns:a16="http://schemas.microsoft.com/office/drawing/2014/main" id="{C35C80AE-F388-4F5A-853C-5FF3DE58415C}"/>
+              </a:ext>
+            </a:extLst>
+          </p:cNvPr>
+          <p:cNvPicPr>
+            <a:picLocks noChangeAspect="1"/>
+          </p:cNvPicPr>
+          <p:nvPr/>
+        </p:nvPicPr>
+        <p:blipFill>
+          <a:blip r:embed="rId3"/>
+          <a:stretch>
+            <a:fillRect/>
+          </a:stretch>
+        </p:blipFill>
+        <p:spPr>
+          <a:xfrm>
+            <a:off x="0" y="1515681"/>
+            <a:ext cx="9144000" cy="3387487"/>
+          </a:xfrm>
+          <a:prstGeom prst="rect">
+            <a:avLst/>
+          </a:prstGeom>
+        </p:spPr>
+      </p:pic>
     </p:spTree>
     <p:extLst>
       <p:ext uri="{BB962C8B-B14F-4D97-AF65-F5344CB8AC3E}">
-        <p14:creationId xmlns:p14="http://schemas.microsoft.com/office/powerpoint/2010/main" val="4125611233"/>
+        <p14:creationId xmlns:p14="http://schemas.microsoft.com/office/powerpoint/2010/main" val="1117209754"/>
       </p:ext>
     </p:extLst>
   </p:cSld>

--- a/Презентация дипломной работы.pptx
+++ b/Презентация дипломной работы.pptx
@@ -5,7 +5,7 @@
     <p:sldMasterId id="2147483659" r:id="rId1"/>
   </p:sldMasterIdLst>
   <p:notesMasterIdLst>
-    <p:notesMasterId r:id="rId13"/>
+    <p:notesMasterId r:id="rId26"/>
   </p:notesMasterIdLst>
   <p:sldIdLst>
     <p:sldId id="256" r:id="rId2"/>
@@ -16,33 +16,46 @@
     <p:sldId id="261" r:id="rId7"/>
     <p:sldId id="262" r:id="rId8"/>
     <p:sldId id="267" r:id="rId9"/>
-    <p:sldId id="264" r:id="rId10"/>
-    <p:sldId id="266" r:id="rId11"/>
-    <p:sldId id="263" r:id="rId12"/>
+    <p:sldId id="268" r:id="rId10"/>
+    <p:sldId id="269" r:id="rId11"/>
+    <p:sldId id="278" r:id="rId12"/>
+    <p:sldId id="279" r:id="rId13"/>
+    <p:sldId id="280" r:id="rId14"/>
+    <p:sldId id="264" r:id="rId15"/>
+    <p:sldId id="266" r:id="rId16"/>
+    <p:sldId id="270" r:id="rId17"/>
+    <p:sldId id="271" r:id="rId18"/>
+    <p:sldId id="272" r:id="rId19"/>
+    <p:sldId id="273" r:id="rId20"/>
+    <p:sldId id="274" r:id="rId21"/>
+    <p:sldId id="275" r:id="rId22"/>
+    <p:sldId id="276" r:id="rId23"/>
+    <p:sldId id="277" r:id="rId24"/>
+    <p:sldId id="263" r:id="rId25"/>
   </p:sldIdLst>
   <p:sldSz cx="9144000" cy="5143500" type="screen16x9"/>
   <p:notesSz cx="6858000" cy="9144000"/>
   <p:embeddedFontLst>
     <p:embeddedFont>
       <p:font typeface="Calibri" panose="020F0502020204030204" pitchFamily="34" charset="0"/>
-      <p:regular r:id="rId14"/>
-      <p:bold r:id="rId15"/>
-      <p:italic r:id="rId16"/>
-      <p:boldItalic r:id="rId17"/>
+      <p:regular r:id="rId27"/>
+      <p:bold r:id="rId28"/>
+      <p:italic r:id="rId29"/>
+      <p:boldItalic r:id="rId30"/>
     </p:embeddedFont>
     <p:embeddedFont>
       <p:font typeface="Lato" panose="020F0502020204030203" pitchFamily="34" charset="0"/>
-      <p:regular r:id="rId18"/>
-      <p:bold r:id="rId19"/>
-      <p:italic r:id="rId20"/>
-      <p:boldItalic r:id="rId21"/>
+      <p:regular r:id="rId31"/>
+      <p:bold r:id="rId32"/>
+      <p:italic r:id="rId33"/>
+      <p:boldItalic r:id="rId34"/>
     </p:embeddedFont>
     <p:embeddedFont>
       <p:font typeface="Raleway" panose="020B0604020202020204" charset="-52"/>
-      <p:regular r:id="rId22"/>
-      <p:bold r:id="rId23"/>
-      <p:italic r:id="rId24"/>
-      <p:boldItalic r:id="rId25"/>
+      <p:regular r:id="rId35"/>
+      <p:bold r:id="rId36"/>
+      <p:italic r:id="rId37"/>
+      <p:boldItalic r:id="rId38"/>
     </p:embeddedFont>
   </p:embeddedFontLst>
   <p:defaultTextStyle>
@@ -8578,6 +8591,1173 @@
   <p:cSld>
     <p:spTree>
       <p:nvGrpSpPr>
+        <p:cNvPr id="1" name=""/>
+        <p:cNvGrpSpPr/>
+        <p:nvPr/>
+      </p:nvGrpSpPr>
+      <p:grpSpPr>
+        <a:xfrm>
+          <a:off x="0" y="0"/>
+          <a:ext cx="0" cy="0"/>
+          <a:chOff x="0" y="0"/>
+          <a:chExt cx="0" cy="0"/>
+        </a:xfrm>
+      </p:grpSpPr>
+      <p:sp>
+        <p:nvSpPr>
+          <p:cNvPr id="2" name="Заголовок 1">
+            <a:extLst>
+              <a:ext uri="{FF2B5EF4-FFF2-40B4-BE49-F238E27FC236}">
+                <a16:creationId xmlns:a16="http://schemas.microsoft.com/office/drawing/2014/main" id="{5E3AB0D5-32BF-4E01-98D6-AC6A5614EE2C}"/>
+              </a:ext>
+            </a:extLst>
+          </p:cNvPr>
+          <p:cNvSpPr>
+            <a:spLocks noGrp="1"/>
+          </p:cNvSpPr>
+          <p:nvPr>
+            <p:ph type="title"/>
+          </p:nvPr>
+        </p:nvSpPr>
+        <p:spPr/>
+        <p:txBody>
+          <a:bodyPr/>
+          <a:lstStyle/>
+          <a:p>
+            <a:r>
+              <a:rPr lang="ru-RU" dirty="0"/>
+              <a:t>Консольное приложение </a:t>
+            </a:r>
+          </a:p>
+        </p:txBody>
+      </p:sp>
+      <p:pic>
+        <p:nvPicPr>
+          <p:cNvPr id="4" name="Рисунок 3">
+            <a:extLst>
+              <a:ext uri="{FF2B5EF4-FFF2-40B4-BE49-F238E27FC236}">
+                <a16:creationId xmlns:a16="http://schemas.microsoft.com/office/drawing/2014/main" id="{06B1190B-6D19-41A8-ACB7-677F75264EF4}"/>
+              </a:ext>
+            </a:extLst>
+          </p:cNvPr>
+          <p:cNvPicPr>
+            <a:picLocks noChangeAspect="1"/>
+          </p:cNvPicPr>
+          <p:nvPr/>
+        </p:nvPicPr>
+        <p:blipFill rotWithShape="1">
+          <a:blip r:embed="rId2"/>
+          <a:srcRect r="38888" b="27952"/>
+          <a:stretch/>
+        </p:blipFill>
+        <p:spPr>
+          <a:xfrm>
+            <a:off x="5040677" y="2396613"/>
+            <a:ext cx="4350774" cy="2974289"/>
+          </a:xfrm>
+          <a:prstGeom prst="rect">
+            <a:avLst/>
+          </a:prstGeom>
+        </p:spPr>
+      </p:pic>
+      <p:sp>
+        <p:nvSpPr>
+          <p:cNvPr id="5" name="TextBox 4">
+            <a:extLst>
+              <a:ext uri="{FF2B5EF4-FFF2-40B4-BE49-F238E27FC236}">
+                <a16:creationId xmlns:a16="http://schemas.microsoft.com/office/drawing/2014/main" id="{672295E1-CD6B-4A9E-A10C-90C5F16422DE}"/>
+              </a:ext>
+            </a:extLst>
+          </p:cNvPr>
+          <p:cNvSpPr txBox="1"/>
+          <p:nvPr/>
+        </p:nvSpPr>
+        <p:spPr>
+          <a:xfrm>
+            <a:off x="368710" y="2109019"/>
+            <a:ext cx="4350774" cy="1754326"/>
+          </a:xfrm>
+          <a:prstGeom prst="rect">
+            <a:avLst/>
+          </a:prstGeom>
+          <a:noFill/>
+        </p:spPr>
+        <p:txBody>
+          <a:bodyPr wrap="square" rtlCol="0">
+            <a:spAutoFit/>
+          </a:bodyPr>
+          <a:lstStyle/>
+          <a:p>
+            <a:r>
+              <a:rPr lang="ru-RU" sz="1800" dirty="0">
+                <a:effectLst/>
+                <a:latin typeface="Times New Roman" panose="02020603050405020304" pitchFamily="18" charset="0"/>
+                <a:ea typeface="Calibri" panose="020F0502020204030204" pitchFamily="34" charset="0"/>
+              </a:rPr>
+              <a:t>Функционал приложения включает в себя подключение к базе данных, возможность создания таблиц по файлам со скриптами </a:t>
+            </a:r>
+            <a:r>
+              <a:rPr lang="en-US" sz="1800" dirty="0">
+                <a:effectLst/>
+                <a:latin typeface="Times New Roman" panose="02020603050405020304" pitchFamily="18" charset="0"/>
+                <a:ea typeface="Calibri" panose="020F0502020204030204" pitchFamily="34" charset="0"/>
+              </a:rPr>
+              <a:t>SQL</a:t>
+            </a:r>
+            <a:r>
+              <a:rPr lang="ru-RU" sz="1800" dirty="0">
+                <a:effectLst/>
+                <a:latin typeface="Times New Roman" panose="02020603050405020304" pitchFamily="18" charset="0"/>
+                <a:ea typeface="Calibri" panose="020F0502020204030204" pitchFamily="34" charset="0"/>
+              </a:rPr>
+              <a:t>, создания таблиц </a:t>
+            </a:r>
+            <a:r>
+              <a:rPr lang="en-US" sz="1800" dirty="0">
+                <a:effectLst/>
+                <a:latin typeface="Times New Roman" panose="02020603050405020304" pitchFamily="18" charset="0"/>
+                <a:ea typeface="Calibri" panose="020F0502020204030204" pitchFamily="34" charset="0"/>
+              </a:rPr>
+              <a:t>cases </a:t>
+            </a:r>
+            <a:r>
+              <a:rPr lang="ru-RU" sz="1800" dirty="0">
+                <a:effectLst/>
+                <a:latin typeface="Times New Roman" panose="02020603050405020304" pitchFamily="18" charset="0"/>
+                <a:ea typeface="Calibri" panose="020F0502020204030204" pitchFamily="34" charset="0"/>
+              </a:rPr>
+              <a:t>и </a:t>
+            </a:r>
+            <a:r>
+              <a:rPr lang="en-US" sz="1800" dirty="0">
+                <a:effectLst/>
+                <a:latin typeface="Times New Roman" panose="02020603050405020304" pitchFamily="18" charset="0"/>
+                <a:ea typeface="Calibri" panose="020F0502020204030204" pitchFamily="34" charset="0"/>
+              </a:rPr>
+              <a:t>activities</a:t>
+            </a:r>
+            <a:r>
+              <a:rPr lang="ru-RU" sz="1800" dirty="0">
+                <a:effectLst/>
+                <a:latin typeface="Times New Roman" panose="02020603050405020304" pitchFamily="18" charset="0"/>
+                <a:ea typeface="Calibri" panose="020F0502020204030204" pitchFamily="34" charset="0"/>
+              </a:rPr>
+              <a:t>, заполнения этих таблицы нужными данными из других таблиц.</a:t>
+            </a:r>
+            <a:endParaRPr lang="ru-RU" dirty="0"/>
+          </a:p>
+        </p:txBody>
+      </p:sp>
+    </p:spTree>
+    <p:extLst>
+      <p:ext uri="{BB962C8B-B14F-4D97-AF65-F5344CB8AC3E}">
+        <p14:creationId xmlns:p14="http://schemas.microsoft.com/office/powerpoint/2010/main" val="1289714227"/>
+      </p:ext>
+    </p:extLst>
+  </p:cSld>
+  <p:clrMapOvr>
+    <a:masterClrMapping/>
+  </p:clrMapOvr>
+</p:sld>
+</file>
+
+<file path=ppt/slides/slide11.xml><?xml version="1.0" encoding="utf-8"?>
+<p:sld xmlns:a="http://schemas.openxmlformats.org/drawingml/2006/main" xmlns:r="http://schemas.openxmlformats.org/officeDocument/2006/relationships" xmlns:p="http://schemas.openxmlformats.org/presentationml/2006/main">
+  <p:cSld>
+    <p:spTree>
+      <p:nvGrpSpPr>
+        <p:cNvPr id="1" name=""/>
+        <p:cNvGrpSpPr/>
+        <p:nvPr/>
+      </p:nvGrpSpPr>
+      <p:grpSpPr>
+        <a:xfrm>
+          <a:off x="0" y="0"/>
+          <a:ext cx="0" cy="0"/>
+          <a:chOff x="0" y="0"/>
+          <a:chExt cx="0" cy="0"/>
+        </a:xfrm>
+      </p:grpSpPr>
+      <p:sp>
+        <p:nvSpPr>
+          <p:cNvPr id="10" name="Заголовок 1">
+            <a:extLst>
+              <a:ext uri="{FF2B5EF4-FFF2-40B4-BE49-F238E27FC236}">
+                <a16:creationId xmlns:a16="http://schemas.microsoft.com/office/drawing/2014/main" id="{EF86FDFD-26F8-4872-A296-7779891F4549}"/>
+              </a:ext>
+            </a:extLst>
+          </p:cNvPr>
+          <p:cNvSpPr txBox="1">
+            <a:spLocks/>
+          </p:cNvSpPr>
+          <p:nvPr/>
+        </p:nvSpPr>
+        <p:spPr>
+          <a:xfrm>
+            <a:off x="727800" y="1364761"/>
+            <a:ext cx="7688400" cy="535200"/>
+          </a:xfrm>
+          <a:prstGeom prst="rect">
+            <a:avLst/>
+          </a:prstGeom>
+          <a:noFill/>
+          <a:ln>
+            <a:noFill/>
+          </a:ln>
+        </p:spPr>
+        <p:txBody>
+          <a:bodyPr spcFirstLastPara="1" wrap="square" lIns="91425" tIns="91425" rIns="91425" bIns="91425" anchor="t" anchorCtr="0">
+            <a:noAutofit/>
+          </a:bodyPr>
+          <a:lstStyle>
+            <a:defPPr marR="0" lvl="0" algn="l" rtl="0">
+              <a:lnSpc>
+                <a:spcPct val="100000"/>
+              </a:lnSpc>
+              <a:spcBef>
+                <a:spcPts val="0"/>
+              </a:spcBef>
+              <a:spcAft>
+                <a:spcPts val="0"/>
+              </a:spcAft>
+            </a:defPPr>
+            <a:lvl1pPr marR="0" lvl="0" algn="l" rtl="0">
+              <a:lnSpc>
+                <a:spcPct val="100000"/>
+              </a:lnSpc>
+              <a:spcBef>
+                <a:spcPts val="0"/>
+              </a:spcBef>
+              <a:spcAft>
+                <a:spcPts val="0"/>
+              </a:spcAft>
+              <a:buClr>
+                <a:schemeClr val="dk2"/>
+              </a:buClr>
+              <a:buSzPts val="2600"/>
+              <a:buFont typeface="Raleway"/>
+              <a:buNone/>
+              <a:defRPr sz="2600" b="1" i="0" u="none" strike="noStrike" cap="none">
+                <a:solidFill>
+                  <a:schemeClr val="dk2"/>
+                </a:solidFill>
+                <a:latin typeface="Raleway"/>
+                <a:ea typeface="Raleway"/>
+                <a:cs typeface="Raleway"/>
+                <a:sym typeface="Raleway"/>
+              </a:defRPr>
+            </a:lvl1pPr>
+            <a:lvl2pPr marR="0" lvl="1" algn="l" rtl="0">
+              <a:lnSpc>
+                <a:spcPct val="100000"/>
+              </a:lnSpc>
+              <a:spcBef>
+                <a:spcPts val="0"/>
+              </a:spcBef>
+              <a:spcAft>
+                <a:spcPts val="0"/>
+              </a:spcAft>
+              <a:buClr>
+                <a:schemeClr val="dk2"/>
+              </a:buClr>
+              <a:buSzPts val="2600"/>
+              <a:buFont typeface="Raleway"/>
+              <a:buNone/>
+              <a:defRPr sz="2600" b="1" i="0" u="none" strike="noStrike" cap="none">
+                <a:solidFill>
+                  <a:schemeClr val="dk2"/>
+                </a:solidFill>
+                <a:latin typeface="Raleway"/>
+                <a:ea typeface="Raleway"/>
+                <a:cs typeface="Raleway"/>
+                <a:sym typeface="Raleway"/>
+              </a:defRPr>
+            </a:lvl2pPr>
+            <a:lvl3pPr marR="0" lvl="2" algn="l" rtl="0">
+              <a:lnSpc>
+                <a:spcPct val="100000"/>
+              </a:lnSpc>
+              <a:spcBef>
+                <a:spcPts val="0"/>
+              </a:spcBef>
+              <a:spcAft>
+                <a:spcPts val="0"/>
+              </a:spcAft>
+              <a:buClr>
+                <a:schemeClr val="dk2"/>
+              </a:buClr>
+              <a:buSzPts val="2600"/>
+              <a:buFont typeface="Raleway"/>
+              <a:buNone/>
+              <a:defRPr sz="2600" b="1" i="0" u="none" strike="noStrike" cap="none">
+                <a:solidFill>
+                  <a:schemeClr val="dk2"/>
+                </a:solidFill>
+                <a:latin typeface="Raleway"/>
+                <a:ea typeface="Raleway"/>
+                <a:cs typeface="Raleway"/>
+                <a:sym typeface="Raleway"/>
+              </a:defRPr>
+            </a:lvl3pPr>
+            <a:lvl4pPr marR="0" lvl="3" algn="l" rtl="0">
+              <a:lnSpc>
+                <a:spcPct val="100000"/>
+              </a:lnSpc>
+              <a:spcBef>
+                <a:spcPts val="0"/>
+              </a:spcBef>
+              <a:spcAft>
+                <a:spcPts val="0"/>
+              </a:spcAft>
+              <a:buClr>
+                <a:schemeClr val="dk2"/>
+              </a:buClr>
+              <a:buSzPts val="2600"/>
+              <a:buFont typeface="Raleway"/>
+              <a:buNone/>
+              <a:defRPr sz="2600" b="1" i="0" u="none" strike="noStrike" cap="none">
+                <a:solidFill>
+                  <a:schemeClr val="dk2"/>
+                </a:solidFill>
+                <a:latin typeface="Raleway"/>
+                <a:ea typeface="Raleway"/>
+                <a:cs typeface="Raleway"/>
+                <a:sym typeface="Raleway"/>
+              </a:defRPr>
+            </a:lvl4pPr>
+            <a:lvl5pPr marR="0" lvl="4" algn="l" rtl="0">
+              <a:lnSpc>
+                <a:spcPct val="100000"/>
+              </a:lnSpc>
+              <a:spcBef>
+                <a:spcPts val="0"/>
+              </a:spcBef>
+              <a:spcAft>
+                <a:spcPts val="0"/>
+              </a:spcAft>
+              <a:buClr>
+                <a:schemeClr val="dk2"/>
+              </a:buClr>
+              <a:buSzPts val="2600"/>
+              <a:buFont typeface="Raleway"/>
+              <a:buNone/>
+              <a:defRPr sz="2600" b="1" i="0" u="none" strike="noStrike" cap="none">
+                <a:solidFill>
+                  <a:schemeClr val="dk2"/>
+                </a:solidFill>
+                <a:latin typeface="Raleway"/>
+                <a:ea typeface="Raleway"/>
+                <a:cs typeface="Raleway"/>
+                <a:sym typeface="Raleway"/>
+              </a:defRPr>
+            </a:lvl5pPr>
+            <a:lvl6pPr marR="0" lvl="5" algn="l" rtl="0">
+              <a:lnSpc>
+                <a:spcPct val="100000"/>
+              </a:lnSpc>
+              <a:spcBef>
+                <a:spcPts val="0"/>
+              </a:spcBef>
+              <a:spcAft>
+                <a:spcPts val="0"/>
+              </a:spcAft>
+              <a:buClr>
+                <a:schemeClr val="dk2"/>
+              </a:buClr>
+              <a:buSzPts val="2600"/>
+              <a:buFont typeface="Raleway"/>
+              <a:buNone/>
+              <a:defRPr sz="2600" b="1" i="0" u="none" strike="noStrike" cap="none">
+                <a:solidFill>
+                  <a:schemeClr val="dk2"/>
+                </a:solidFill>
+                <a:latin typeface="Raleway"/>
+                <a:ea typeface="Raleway"/>
+                <a:cs typeface="Raleway"/>
+                <a:sym typeface="Raleway"/>
+              </a:defRPr>
+            </a:lvl6pPr>
+            <a:lvl7pPr marR="0" lvl="6" algn="l" rtl="0">
+              <a:lnSpc>
+                <a:spcPct val="100000"/>
+              </a:lnSpc>
+              <a:spcBef>
+                <a:spcPts val="0"/>
+              </a:spcBef>
+              <a:spcAft>
+                <a:spcPts val="0"/>
+              </a:spcAft>
+              <a:buClr>
+                <a:schemeClr val="dk2"/>
+              </a:buClr>
+              <a:buSzPts val="2600"/>
+              <a:buFont typeface="Raleway"/>
+              <a:buNone/>
+              <a:defRPr sz="2600" b="1" i="0" u="none" strike="noStrike" cap="none">
+                <a:solidFill>
+                  <a:schemeClr val="dk2"/>
+                </a:solidFill>
+                <a:latin typeface="Raleway"/>
+                <a:ea typeface="Raleway"/>
+                <a:cs typeface="Raleway"/>
+                <a:sym typeface="Raleway"/>
+              </a:defRPr>
+            </a:lvl7pPr>
+            <a:lvl8pPr marR="0" lvl="7" algn="l" rtl="0">
+              <a:lnSpc>
+                <a:spcPct val="100000"/>
+              </a:lnSpc>
+              <a:spcBef>
+                <a:spcPts val="0"/>
+              </a:spcBef>
+              <a:spcAft>
+                <a:spcPts val="0"/>
+              </a:spcAft>
+              <a:buClr>
+                <a:schemeClr val="dk2"/>
+              </a:buClr>
+              <a:buSzPts val="2600"/>
+              <a:buFont typeface="Raleway"/>
+              <a:buNone/>
+              <a:defRPr sz="2600" b="1" i="0" u="none" strike="noStrike" cap="none">
+                <a:solidFill>
+                  <a:schemeClr val="dk2"/>
+                </a:solidFill>
+                <a:latin typeface="Raleway"/>
+                <a:ea typeface="Raleway"/>
+                <a:cs typeface="Raleway"/>
+                <a:sym typeface="Raleway"/>
+              </a:defRPr>
+            </a:lvl8pPr>
+            <a:lvl9pPr marR="0" lvl="8" algn="l" rtl="0">
+              <a:lnSpc>
+                <a:spcPct val="100000"/>
+              </a:lnSpc>
+              <a:spcBef>
+                <a:spcPts val="0"/>
+              </a:spcBef>
+              <a:spcAft>
+                <a:spcPts val="0"/>
+              </a:spcAft>
+              <a:buClr>
+                <a:schemeClr val="dk2"/>
+              </a:buClr>
+              <a:buSzPts val="2600"/>
+              <a:buFont typeface="Raleway"/>
+              <a:buNone/>
+              <a:defRPr sz="2600" b="1" i="0" u="none" strike="noStrike" cap="none">
+                <a:solidFill>
+                  <a:schemeClr val="dk2"/>
+                </a:solidFill>
+                <a:latin typeface="Raleway"/>
+                <a:ea typeface="Raleway"/>
+                <a:cs typeface="Raleway"/>
+                <a:sym typeface="Raleway"/>
+              </a:defRPr>
+            </a:lvl9pPr>
+          </a:lstStyle>
+          <a:p>
+            <a:r>
+              <a:rPr lang="en-US" sz="1800" dirty="0"/>
+              <a:t>1</a:t>
+            </a:r>
+            <a:r>
+              <a:rPr lang="ru-RU" sz="1800" dirty="0"/>
+              <a:t>. Поиск ключа для </a:t>
+            </a:r>
+            <a:r>
+              <a:rPr lang="en-US" sz="1800" dirty="0" err="1"/>
+              <a:t>jira</a:t>
+            </a:r>
+            <a:r>
+              <a:rPr lang="en-US" sz="1800" dirty="0"/>
+              <a:t> </a:t>
+            </a:r>
+            <a:r>
+              <a:rPr lang="ru-RU" sz="1800" dirty="0"/>
+              <a:t>по каждому заказу в таблице </a:t>
+            </a:r>
+            <a:r>
+              <a:rPr lang="en-US" sz="1800" dirty="0" err="1"/>
+              <a:t>airtable</a:t>
+            </a:r>
+            <a:endParaRPr lang="ru-RU" sz="1800" dirty="0"/>
+          </a:p>
+        </p:txBody>
+      </p:sp>
+      <p:pic>
+        <p:nvPicPr>
+          <p:cNvPr id="14" name="Рисунок 13">
+            <a:extLst>
+              <a:ext uri="{FF2B5EF4-FFF2-40B4-BE49-F238E27FC236}">
+                <a16:creationId xmlns:a16="http://schemas.microsoft.com/office/drawing/2014/main" id="{4CE72928-8034-4013-B119-11B8B2661A8D}"/>
+              </a:ext>
+            </a:extLst>
+          </p:cNvPr>
+          <p:cNvPicPr>
+            <a:picLocks noChangeAspect="1"/>
+          </p:cNvPicPr>
+          <p:nvPr/>
+        </p:nvPicPr>
+        <p:blipFill>
+          <a:blip r:embed="rId2"/>
+          <a:stretch>
+            <a:fillRect/>
+          </a:stretch>
+        </p:blipFill>
+        <p:spPr>
+          <a:xfrm>
+            <a:off x="0" y="1899961"/>
+            <a:ext cx="9088118" cy="2019582"/>
+          </a:xfrm>
+          <a:prstGeom prst="rect">
+            <a:avLst/>
+          </a:prstGeom>
+        </p:spPr>
+      </p:pic>
+    </p:spTree>
+    <p:extLst>
+      <p:ext uri="{BB962C8B-B14F-4D97-AF65-F5344CB8AC3E}">
+        <p14:creationId xmlns:p14="http://schemas.microsoft.com/office/powerpoint/2010/main" val="3250656485"/>
+      </p:ext>
+    </p:extLst>
+  </p:cSld>
+  <p:clrMapOvr>
+    <a:masterClrMapping/>
+  </p:clrMapOvr>
+</p:sld>
+</file>
+
+<file path=ppt/slides/slide12.xml><?xml version="1.0" encoding="utf-8"?>
+<p:sld xmlns:a="http://schemas.openxmlformats.org/drawingml/2006/main" xmlns:r="http://schemas.openxmlformats.org/officeDocument/2006/relationships" xmlns:p="http://schemas.openxmlformats.org/presentationml/2006/main">
+  <p:cSld>
+    <p:spTree>
+      <p:nvGrpSpPr>
+        <p:cNvPr id="1" name=""/>
+        <p:cNvGrpSpPr/>
+        <p:nvPr/>
+      </p:nvGrpSpPr>
+      <p:grpSpPr>
+        <a:xfrm>
+          <a:off x="0" y="0"/>
+          <a:ext cx="0" cy="0"/>
+          <a:chOff x="0" y="0"/>
+          <a:chExt cx="0" cy="0"/>
+        </a:xfrm>
+      </p:grpSpPr>
+      <p:sp>
+        <p:nvSpPr>
+          <p:cNvPr id="9" name="Заголовок 1">
+            <a:extLst>
+              <a:ext uri="{FF2B5EF4-FFF2-40B4-BE49-F238E27FC236}">
+                <a16:creationId xmlns:a16="http://schemas.microsoft.com/office/drawing/2014/main" id="{D6BF0A36-42DF-493A-8311-93A30EDEF3D4}"/>
+              </a:ext>
+            </a:extLst>
+          </p:cNvPr>
+          <p:cNvSpPr txBox="1">
+            <a:spLocks/>
+          </p:cNvSpPr>
+          <p:nvPr/>
+        </p:nvSpPr>
+        <p:spPr>
+          <a:xfrm>
+            <a:off x="727800" y="1318899"/>
+            <a:ext cx="7688400" cy="535200"/>
+          </a:xfrm>
+          <a:prstGeom prst="rect">
+            <a:avLst/>
+          </a:prstGeom>
+          <a:noFill/>
+          <a:ln>
+            <a:noFill/>
+          </a:ln>
+        </p:spPr>
+        <p:txBody>
+          <a:bodyPr spcFirstLastPara="1" wrap="square" lIns="91425" tIns="91425" rIns="91425" bIns="91425" anchor="t" anchorCtr="0">
+            <a:noAutofit/>
+          </a:bodyPr>
+          <a:lstStyle>
+            <a:defPPr marR="0" lvl="0" algn="l" rtl="0">
+              <a:lnSpc>
+                <a:spcPct val="100000"/>
+              </a:lnSpc>
+              <a:spcBef>
+                <a:spcPts val="0"/>
+              </a:spcBef>
+              <a:spcAft>
+                <a:spcPts val="0"/>
+              </a:spcAft>
+            </a:defPPr>
+            <a:lvl1pPr marR="0" lvl="0" algn="l" rtl="0">
+              <a:lnSpc>
+                <a:spcPct val="100000"/>
+              </a:lnSpc>
+              <a:spcBef>
+                <a:spcPts val="0"/>
+              </a:spcBef>
+              <a:spcAft>
+                <a:spcPts val="0"/>
+              </a:spcAft>
+              <a:buClr>
+                <a:schemeClr val="dk2"/>
+              </a:buClr>
+              <a:buSzPts val="2600"/>
+              <a:buFont typeface="Raleway"/>
+              <a:buNone/>
+              <a:defRPr sz="2600" b="1" i="0" u="none" strike="noStrike" cap="none">
+                <a:solidFill>
+                  <a:schemeClr val="dk2"/>
+                </a:solidFill>
+                <a:latin typeface="Raleway"/>
+                <a:ea typeface="Raleway"/>
+                <a:cs typeface="Raleway"/>
+                <a:sym typeface="Raleway"/>
+              </a:defRPr>
+            </a:lvl1pPr>
+            <a:lvl2pPr marR="0" lvl="1" algn="l" rtl="0">
+              <a:lnSpc>
+                <a:spcPct val="100000"/>
+              </a:lnSpc>
+              <a:spcBef>
+                <a:spcPts val="0"/>
+              </a:spcBef>
+              <a:spcAft>
+                <a:spcPts val="0"/>
+              </a:spcAft>
+              <a:buClr>
+                <a:schemeClr val="dk2"/>
+              </a:buClr>
+              <a:buSzPts val="2600"/>
+              <a:buFont typeface="Raleway"/>
+              <a:buNone/>
+              <a:defRPr sz="2600" b="1" i="0" u="none" strike="noStrike" cap="none">
+                <a:solidFill>
+                  <a:schemeClr val="dk2"/>
+                </a:solidFill>
+                <a:latin typeface="Raleway"/>
+                <a:ea typeface="Raleway"/>
+                <a:cs typeface="Raleway"/>
+                <a:sym typeface="Raleway"/>
+              </a:defRPr>
+            </a:lvl2pPr>
+            <a:lvl3pPr marR="0" lvl="2" algn="l" rtl="0">
+              <a:lnSpc>
+                <a:spcPct val="100000"/>
+              </a:lnSpc>
+              <a:spcBef>
+                <a:spcPts val="0"/>
+              </a:spcBef>
+              <a:spcAft>
+                <a:spcPts val="0"/>
+              </a:spcAft>
+              <a:buClr>
+                <a:schemeClr val="dk2"/>
+              </a:buClr>
+              <a:buSzPts val="2600"/>
+              <a:buFont typeface="Raleway"/>
+              <a:buNone/>
+              <a:defRPr sz="2600" b="1" i="0" u="none" strike="noStrike" cap="none">
+                <a:solidFill>
+                  <a:schemeClr val="dk2"/>
+                </a:solidFill>
+                <a:latin typeface="Raleway"/>
+                <a:ea typeface="Raleway"/>
+                <a:cs typeface="Raleway"/>
+                <a:sym typeface="Raleway"/>
+              </a:defRPr>
+            </a:lvl3pPr>
+            <a:lvl4pPr marR="0" lvl="3" algn="l" rtl="0">
+              <a:lnSpc>
+                <a:spcPct val="100000"/>
+              </a:lnSpc>
+              <a:spcBef>
+                <a:spcPts val="0"/>
+              </a:spcBef>
+              <a:spcAft>
+                <a:spcPts val="0"/>
+              </a:spcAft>
+              <a:buClr>
+                <a:schemeClr val="dk2"/>
+              </a:buClr>
+              <a:buSzPts val="2600"/>
+              <a:buFont typeface="Raleway"/>
+              <a:buNone/>
+              <a:defRPr sz="2600" b="1" i="0" u="none" strike="noStrike" cap="none">
+                <a:solidFill>
+                  <a:schemeClr val="dk2"/>
+                </a:solidFill>
+                <a:latin typeface="Raleway"/>
+                <a:ea typeface="Raleway"/>
+                <a:cs typeface="Raleway"/>
+                <a:sym typeface="Raleway"/>
+              </a:defRPr>
+            </a:lvl4pPr>
+            <a:lvl5pPr marR="0" lvl="4" algn="l" rtl="0">
+              <a:lnSpc>
+                <a:spcPct val="100000"/>
+              </a:lnSpc>
+              <a:spcBef>
+                <a:spcPts val="0"/>
+              </a:spcBef>
+              <a:spcAft>
+                <a:spcPts val="0"/>
+              </a:spcAft>
+              <a:buClr>
+                <a:schemeClr val="dk2"/>
+              </a:buClr>
+              <a:buSzPts val="2600"/>
+              <a:buFont typeface="Raleway"/>
+              <a:buNone/>
+              <a:defRPr sz="2600" b="1" i="0" u="none" strike="noStrike" cap="none">
+                <a:solidFill>
+                  <a:schemeClr val="dk2"/>
+                </a:solidFill>
+                <a:latin typeface="Raleway"/>
+                <a:ea typeface="Raleway"/>
+                <a:cs typeface="Raleway"/>
+                <a:sym typeface="Raleway"/>
+              </a:defRPr>
+            </a:lvl5pPr>
+            <a:lvl6pPr marR="0" lvl="5" algn="l" rtl="0">
+              <a:lnSpc>
+                <a:spcPct val="100000"/>
+              </a:lnSpc>
+              <a:spcBef>
+                <a:spcPts val="0"/>
+              </a:spcBef>
+              <a:spcAft>
+                <a:spcPts val="0"/>
+              </a:spcAft>
+              <a:buClr>
+                <a:schemeClr val="dk2"/>
+              </a:buClr>
+              <a:buSzPts val="2600"/>
+              <a:buFont typeface="Raleway"/>
+              <a:buNone/>
+              <a:defRPr sz="2600" b="1" i="0" u="none" strike="noStrike" cap="none">
+                <a:solidFill>
+                  <a:schemeClr val="dk2"/>
+                </a:solidFill>
+                <a:latin typeface="Raleway"/>
+                <a:ea typeface="Raleway"/>
+                <a:cs typeface="Raleway"/>
+                <a:sym typeface="Raleway"/>
+              </a:defRPr>
+            </a:lvl6pPr>
+            <a:lvl7pPr marR="0" lvl="6" algn="l" rtl="0">
+              <a:lnSpc>
+                <a:spcPct val="100000"/>
+              </a:lnSpc>
+              <a:spcBef>
+                <a:spcPts val="0"/>
+              </a:spcBef>
+              <a:spcAft>
+                <a:spcPts val="0"/>
+              </a:spcAft>
+              <a:buClr>
+                <a:schemeClr val="dk2"/>
+              </a:buClr>
+              <a:buSzPts val="2600"/>
+              <a:buFont typeface="Raleway"/>
+              <a:buNone/>
+              <a:defRPr sz="2600" b="1" i="0" u="none" strike="noStrike" cap="none">
+                <a:solidFill>
+                  <a:schemeClr val="dk2"/>
+                </a:solidFill>
+                <a:latin typeface="Raleway"/>
+                <a:ea typeface="Raleway"/>
+                <a:cs typeface="Raleway"/>
+                <a:sym typeface="Raleway"/>
+              </a:defRPr>
+            </a:lvl7pPr>
+            <a:lvl8pPr marR="0" lvl="7" algn="l" rtl="0">
+              <a:lnSpc>
+                <a:spcPct val="100000"/>
+              </a:lnSpc>
+              <a:spcBef>
+                <a:spcPts val="0"/>
+              </a:spcBef>
+              <a:spcAft>
+                <a:spcPts val="0"/>
+              </a:spcAft>
+              <a:buClr>
+                <a:schemeClr val="dk2"/>
+              </a:buClr>
+              <a:buSzPts val="2600"/>
+              <a:buFont typeface="Raleway"/>
+              <a:buNone/>
+              <a:defRPr sz="2600" b="1" i="0" u="none" strike="noStrike" cap="none">
+                <a:solidFill>
+                  <a:schemeClr val="dk2"/>
+                </a:solidFill>
+                <a:latin typeface="Raleway"/>
+                <a:ea typeface="Raleway"/>
+                <a:cs typeface="Raleway"/>
+                <a:sym typeface="Raleway"/>
+              </a:defRPr>
+            </a:lvl8pPr>
+            <a:lvl9pPr marR="0" lvl="8" algn="l" rtl="0">
+              <a:lnSpc>
+                <a:spcPct val="100000"/>
+              </a:lnSpc>
+              <a:spcBef>
+                <a:spcPts val="0"/>
+              </a:spcBef>
+              <a:spcAft>
+                <a:spcPts val="0"/>
+              </a:spcAft>
+              <a:buClr>
+                <a:schemeClr val="dk2"/>
+              </a:buClr>
+              <a:buSzPts val="2600"/>
+              <a:buFont typeface="Raleway"/>
+              <a:buNone/>
+              <a:defRPr sz="2600" b="1" i="0" u="none" strike="noStrike" cap="none">
+                <a:solidFill>
+                  <a:schemeClr val="dk2"/>
+                </a:solidFill>
+                <a:latin typeface="Raleway"/>
+                <a:ea typeface="Raleway"/>
+                <a:cs typeface="Raleway"/>
+                <a:sym typeface="Raleway"/>
+              </a:defRPr>
+            </a:lvl9pPr>
+          </a:lstStyle>
+          <a:p>
+            <a:r>
+              <a:rPr lang="ru-RU" sz="1800" dirty="0"/>
+              <a:t>2. Поиск данных в таблице </a:t>
+            </a:r>
+            <a:r>
+              <a:rPr lang="en-US" sz="1800" dirty="0" err="1"/>
+              <a:t>jira</a:t>
+            </a:r>
+            <a:r>
+              <a:rPr lang="en-US" sz="1800" dirty="0"/>
+              <a:t> </a:t>
+            </a:r>
+            <a:r>
+              <a:rPr lang="ru-RU" sz="1800" dirty="0"/>
+              <a:t>по ключу</a:t>
+            </a:r>
+          </a:p>
+        </p:txBody>
+      </p:sp>
+      <p:pic>
+        <p:nvPicPr>
+          <p:cNvPr id="13" name="Рисунок 12">
+            <a:extLst>
+              <a:ext uri="{FF2B5EF4-FFF2-40B4-BE49-F238E27FC236}">
+                <a16:creationId xmlns:a16="http://schemas.microsoft.com/office/drawing/2014/main" id="{EF19AB05-BE42-48A9-98E6-58483647323E}"/>
+              </a:ext>
+            </a:extLst>
+          </p:cNvPr>
+          <p:cNvPicPr>
+            <a:picLocks noChangeAspect="1"/>
+          </p:cNvPicPr>
+          <p:nvPr/>
+        </p:nvPicPr>
+        <p:blipFill>
+          <a:blip r:embed="rId2"/>
+          <a:stretch>
+            <a:fillRect/>
+          </a:stretch>
+        </p:blipFill>
+        <p:spPr>
+          <a:xfrm>
+            <a:off x="0" y="1789944"/>
+            <a:ext cx="9144000" cy="2256786"/>
+          </a:xfrm>
+          <a:prstGeom prst="rect">
+            <a:avLst/>
+          </a:prstGeom>
+        </p:spPr>
+      </p:pic>
+    </p:spTree>
+    <p:extLst>
+      <p:ext uri="{BB962C8B-B14F-4D97-AF65-F5344CB8AC3E}">
+        <p14:creationId xmlns:p14="http://schemas.microsoft.com/office/powerpoint/2010/main" val="3447598717"/>
+      </p:ext>
+    </p:extLst>
+  </p:cSld>
+  <p:clrMapOvr>
+    <a:masterClrMapping/>
+  </p:clrMapOvr>
+</p:sld>
+</file>
+
+<file path=ppt/slides/slide13.xml><?xml version="1.0" encoding="utf-8"?>
+<p:sld xmlns:a="http://schemas.openxmlformats.org/drawingml/2006/main" xmlns:r="http://schemas.openxmlformats.org/officeDocument/2006/relationships" xmlns:p="http://schemas.openxmlformats.org/presentationml/2006/main">
+  <p:cSld>
+    <p:spTree>
+      <p:nvGrpSpPr>
+        <p:cNvPr id="1" name=""/>
+        <p:cNvGrpSpPr/>
+        <p:nvPr/>
+      </p:nvGrpSpPr>
+      <p:grpSpPr>
+        <a:xfrm>
+          <a:off x="0" y="0"/>
+          <a:ext cx="0" cy="0"/>
+          <a:chOff x="0" y="0"/>
+          <a:chExt cx="0" cy="0"/>
+        </a:xfrm>
+      </p:grpSpPr>
+      <p:sp>
+        <p:nvSpPr>
+          <p:cNvPr id="2" name="Заголовок 1">
+            <a:extLst>
+              <a:ext uri="{FF2B5EF4-FFF2-40B4-BE49-F238E27FC236}">
+                <a16:creationId xmlns:a16="http://schemas.microsoft.com/office/drawing/2014/main" id="{1FE769EF-DB4B-4E6F-84D4-01DA280F1E7C}"/>
+              </a:ext>
+            </a:extLst>
+          </p:cNvPr>
+          <p:cNvSpPr>
+            <a:spLocks noGrp="1"/>
+          </p:cNvSpPr>
+          <p:nvPr>
+            <p:ph type="title"/>
+          </p:nvPr>
+        </p:nvSpPr>
+        <p:spPr>
+          <a:xfrm>
+            <a:off x="584217" y="1237244"/>
+            <a:ext cx="7688400" cy="535200"/>
+          </a:xfrm>
+        </p:spPr>
+        <p:txBody>
+          <a:bodyPr/>
+          <a:lstStyle/>
+          <a:p>
+            <a:r>
+              <a:rPr lang="en-US" sz="1800" dirty="0"/>
+              <a:t>3. </a:t>
+            </a:r>
+            <a:r>
+              <a:rPr lang="ru-RU" sz="1800" dirty="0"/>
+              <a:t>Запись данных о текущем состоянии каждого товара в конкретный момент времени</a:t>
+            </a:r>
+          </a:p>
+        </p:txBody>
+      </p:sp>
+      <p:pic>
+        <p:nvPicPr>
+          <p:cNvPr id="8" name="Рисунок 7">
+            <a:extLst>
+              <a:ext uri="{FF2B5EF4-FFF2-40B4-BE49-F238E27FC236}">
+                <a16:creationId xmlns:a16="http://schemas.microsoft.com/office/drawing/2014/main" id="{B7296443-3311-47C7-8BDF-89B6B1FA147B}"/>
+              </a:ext>
+            </a:extLst>
+          </p:cNvPr>
+          <p:cNvPicPr>
+            <a:picLocks noChangeAspect="1"/>
+          </p:cNvPicPr>
+          <p:nvPr/>
+        </p:nvPicPr>
+        <p:blipFill>
+          <a:blip r:embed="rId2"/>
+          <a:stretch>
+            <a:fillRect/>
+          </a:stretch>
+        </p:blipFill>
+        <p:spPr>
+          <a:xfrm>
+            <a:off x="208303" y="2000565"/>
+            <a:ext cx="8935697" cy="2286319"/>
+          </a:xfrm>
+          <a:prstGeom prst="rect">
+            <a:avLst/>
+          </a:prstGeom>
+        </p:spPr>
+      </p:pic>
+    </p:spTree>
+    <p:extLst>
+      <p:ext uri="{BB962C8B-B14F-4D97-AF65-F5344CB8AC3E}">
+        <p14:creationId xmlns:p14="http://schemas.microsoft.com/office/powerpoint/2010/main" val="4115456731"/>
+      </p:ext>
+    </p:extLst>
+  </p:cSld>
+  <p:clrMapOvr>
+    <a:masterClrMapping/>
+  </p:clrMapOvr>
+</p:sld>
+</file>
+
+<file path=ppt/slides/slide14.xml><?xml version="1.0" encoding="utf-8"?>
+<p:sld xmlns:a="http://schemas.openxmlformats.org/drawingml/2006/main" xmlns:r="http://schemas.openxmlformats.org/officeDocument/2006/relationships" xmlns:p="http://schemas.openxmlformats.org/presentationml/2006/main">
+  <p:cSld>
+    <p:spTree>
+      <p:nvGrpSpPr>
+        <p:cNvPr id="1" name="Shape 94"/>
+        <p:cNvGrpSpPr/>
+        <p:nvPr/>
+      </p:nvGrpSpPr>
+      <p:grpSpPr>
+        <a:xfrm>
+          <a:off x="0" y="0"/>
+          <a:ext cx="0" cy="0"/>
+          <a:chOff x="0" y="0"/>
+          <a:chExt cx="0" cy="0"/>
+        </a:xfrm>
+      </p:grpSpPr>
+      <p:sp>
+        <p:nvSpPr>
+          <p:cNvPr id="95" name="Google Shape;95;p14"/>
+          <p:cNvSpPr txBox="1">
+            <a:spLocks noGrp="1"/>
+          </p:cNvSpPr>
+          <p:nvPr>
+            <p:ph type="title"/>
+          </p:nvPr>
+        </p:nvSpPr>
+        <p:spPr>
+          <a:xfrm>
+            <a:off x="729450" y="535925"/>
+            <a:ext cx="7688700" cy="535200"/>
+          </a:xfrm>
+          <a:prstGeom prst="rect">
+            <a:avLst/>
+          </a:prstGeom>
+        </p:spPr>
+        <p:txBody>
+          <a:bodyPr spcFirstLastPara="1" wrap="square" lIns="91425" tIns="91425" rIns="91425" bIns="91425" anchor="t" anchorCtr="0">
+            <a:noAutofit/>
+          </a:bodyPr>
+          <a:lstStyle/>
+          <a:p>
+            <a:pPr marL="0" lvl="0" indent="0" algn="l" rtl="0">
+              <a:spcBef>
+                <a:spcPts val="0"/>
+              </a:spcBef>
+              <a:spcAft>
+                <a:spcPts val="0"/>
+              </a:spcAft>
+              <a:buNone/>
+            </a:pPr>
+            <a:r>
+              <a:rPr lang="en-US" sz="2400" dirty="0">
+                <a:latin typeface="Times New Roman"/>
+                <a:ea typeface="Times New Roman"/>
+                <a:cs typeface="Times New Roman"/>
+                <a:sym typeface="Times New Roman"/>
+              </a:rPr>
+              <a:t>Process mining</a:t>
+            </a:r>
+            <a:endParaRPr sz="2400" dirty="0">
+              <a:latin typeface="Times New Roman"/>
+              <a:ea typeface="Times New Roman"/>
+              <a:cs typeface="Times New Roman"/>
+              <a:sym typeface="Times New Roman"/>
+            </a:endParaRPr>
+          </a:p>
+        </p:txBody>
+      </p:sp>
+      <p:sp>
+        <p:nvSpPr>
+          <p:cNvPr id="3" name="Текст 2">
+            <a:extLst>
+              <a:ext uri="{FF2B5EF4-FFF2-40B4-BE49-F238E27FC236}">
+                <a16:creationId xmlns:a16="http://schemas.microsoft.com/office/drawing/2014/main" id="{D761CE32-CC3F-48AC-A17F-0ECD2C2E6C16}"/>
+              </a:ext>
+            </a:extLst>
+          </p:cNvPr>
+          <p:cNvSpPr>
+            <a:spLocks noGrp="1"/>
+          </p:cNvSpPr>
+          <p:nvPr>
+            <p:ph type="body" idx="1"/>
+          </p:nvPr>
+        </p:nvSpPr>
+        <p:spPr/>
+        <p:txBody>
+          <a:bodyPr/>
+          <a:lstStyle/>
+          <a:p>
+            <a:pPr marL="146050" indent="0">
+              <a:buNone/>
+            </a:pPr>
+            <a:endParaRPr lang="ru-RU" dirty="0"/>
+          </a:p>
+        </p:txBody>
+      </p:sp>
+      <p:pic>
+        <p:nvPicPr>
+          <p:cNvPr id="6" name="Рисунок 5">
+            <a:extLst>
+              <a:ext uri="{FF2B5EF4-FFF2-40B4-BE49-F238E27FC236}">
+                <a16:creationId xmlns:a16="http://schemas.microsoft.com/office/drawing/2014/main" id="{C35C80AE-F388-4F5A-853C-5FF3DE58415C}"/>
+              </a:ext>
+            </a:extLst>
+          </p:cNvPr>
+          <p:cNvPicPr>
+            <a:picLocks noChangeAspect="1"/>
+          </p:cNvPicPr>
+          <p:nvPr/>
+        </p:nvPicPr>
+        <p:blipFill>
+          <a:blip r:embed="rId3"/>
+          <a:stretch>
+            <a:fillRect/>
+          </a:stretch>
+        </p:blipFill>
+        <p:spPr>
+          <a:xfrm>
+            <a:off x="0" y="1515681"/>
+            <a:ext cx="9144000" cy="3387487"/>
+          </a:xfrm>
+          <a:prstGeom prst="rect">
+            <a:avLst/>
+          </a:prstGeom>
+        </p:spPr>
+      </p:pic>
+      <p:pic>
+        <p:nvPicPr>
+          <p:cNvPr id="7" name="Рисунок 6">
+            <a:extLst>
+              <a:ext uri="{FF2B5EF4-FFF2-40B4-BE49-F238E27FC236}">
+                <a16:creationId xmlns:a16="http://schemas.microsoft.com/office/drawing/2014/main" id="{B27C00A8-BE16-4FDB-93DE-1A56E521B9D4}"/>
+              </a:ext>
+            </a:extLst>
+          </p:cNvPr>
+          <p:cNvPicPr>
+            <a:picLocks noChangeAspect="1"/>
+          </p:cNvPicPr>
+          <p:nvPr/>
+        </p:nvPicPr>
+        <p:blipFill>
+          <a:blip r:embed="rId4"/>
+          <a:stretch>
+            <a:fillRect/>
+          </a:stretch>
+        </p:blipFill>
+        <p:spPr>
+          <a:xfrm>
+            <a:off x="3495525" y="140075"/>
+            <a:ext cx="2152950" cy="1219370"/>
+          </a:xfrm>
+          <a:prstGeom prst="rect">
+            <a:avLst/>
+          </a:prstGeom>
+        </p:spPr>
+      </p:pic>
+    </p:spTree>
+    <p:extLst>
+      <p:ext uri="{BB962C8B-B14F-4D97-AF65-F5344CB8AC3E}">
+        <p14:creationId xmlns:p14="http://schemas.microsoft.com/office/powerpoint/2010/main" val="1117209754"/>
+      </p:ext>
+    </p:extLst>
+  </p:cSld>
+  <p:clrMapOvr>
+    <a:masterClrMapping/>
+  </p:clrMapOvr>
+</p:sld>
+</file>
+
+<file path=ppt/slides/slide15.xml><?xml version="1.0" encoding="utf-8"?>
+<p:sld xmlns:a="http://schemas.openxmlformats.org/drawingml/2006/main" xmlns:r="http://schemas.openxmlformats.org/officeDocument/2006/relationships" xmlns:p="http://schemas.openxmlformats.org/presentationml/2006/main">
+  <p:cSld>
+    <p:spTree>
+      <p:nvGrpSpPr>
         <p:cNvPr id="1" name="Shape 94"/>
         <p:cNvGrpSpPr/>
         <p:nvPr/>
@@ -8618,6 +9798,36 @@
           </a:p>
         </p:txBody>
       </p:sp>
+      <p:pic>
+        <p:nvPicPr>
+          <p:cNvPr id="4" name="Рисунок 3">
+            <a:extLst>
+              <a:ext uri="{FF2B5EF4-FFF2-40B4-BE49-F238E27FC236}">
+                <a16:creationId xmlns:a16="http://schemas.microsoft.com/office/drawing/2014/main" id="{A4DFAAC6-75E5-47B1-B896-C565D29D474E}"/>
+              </a:ext>
+            </a:extLst>
+          </p:cNvPr>
+          <p:cNvPicPr>
+            <a:picLocks noChangeAspect="1"/>
+          </p:cNvPicPr>
+          <p:nvPr/>
+        </p:nvPicPr>
+        <p:blipFill>
+          <a:blip r:embed="rId3"/>
+          <a:stretch>
+            <a:fillRect/>
+          </a:stretch>
+        </p:blipFill>
+        <p:spPr>
+          <a:xfrm>
+            <a:off x="616" y="0"/>
+            <a:ext cx="8413934" cy="5143500"/>
+          </a:xfrm>
+          <a:prstGeom prst="rect">
+            <a:avLst/>
+          </a:prstGeom>
+        </p:spPr>
+      </p:pic>
       <p:sp>
         <p:nvSpPr>
           <p:cNvPr id="95" name="Google Shape;95;p14"/>
@@ -8670,36 +9880,6 @@
           </a:p>
         </p:txBody>
       </p:sp>
-      <p:pic>
-        <p:nvPicPr>
-          <p:cNvPr id="5" name="Рисунок 4">
-            <a:extLst>
-              <a:ext uri="{FF2B5EF4-FFF2-40B4-BE49-F238E27FC236}">
-                <a16:creationId xmlns:a16="http://schemas.microsoft.com/office/drawing/2014/main" id="{A219B298-7142-40E9-BC46-F3FB0F5F06ED}"/>
-              </a:ext>
-            </a:extLst>
-          </p:cNvPr>
-          <p:cNvPicPr>
-            <a:picLocks noChangeAspect="1"/>
-          </p:cNvPicPr>
-          <p:nvPr/>
-        </p:nvPicPr>
-        <p:blipFill>
-          <a:blip r:embed="rId3"/>
-          <a:stretch>
-            <a:fillRect/>
-          </a:stretch>
-        </p:blipFill>
-        <p:spPr>
-          <a:xfrm>
-            <a:off x="0" y="1080890"/>
-            <a:ext cx="9144000" cy="3653964"/>
-          </a:xfrm>
-          <a:prstGeom prst="rect">
-            <a:avLst/>
-          </a:prstGeom>
-        </p:spPr>
-      </p:pic>
     </p:spTree>
     <p:extLst>
       <p:ext uri="{BB962C8B-B14F-4D97-AF65-F5344CB8AC3E}">
@@ -8713,12 +9893,12 @@
 </p:sld>
 </file>
 
-<file path=ppt/slides/slide11.xml><?xml version="1.0" encoding="utf-8"?>
+<file path=ppt/slides/slide16.xml><?xml version="1.0" encoding="utf-8"?>
 <p:sld xmlns:a="http://schemas.openxmlformats.org/drawingml/2006/main" xmlns:r="http://schemas.openxmlformats.org/officeDocument/2006/relationships" xmlns:p="http://schemas.openxmlformats.org/presentationml/2006/main">
   <p:cSld>
     <p:spTree>
       <p:nvGrpSpPr>
-        <p:cNvPr id="1" name="Shape 94"/>
+        <p:cNvPr id="1" name=""/>
         <p:cNvGrpSpPr/>
         <p:nvPr/>
       </p:nvGrpSpPr>
@@ -8732,8 +9912,14 @@
       </p:grpSpPr>
       <p:sp>
         <p:nvSpPr>
-          <p:cNvPr id="95" name="Google Shape;95;p14"/>
-          <p:cNvSpPr txBox="1">
+          <p:cNvPr id="2" name="Заголовок 1">
+            <a:extLst>
+              <a:ext uri="{FF2B5EF4-FFF2-40B4-BE49-F238E27FC236}">
+                <a16:creationId xmlns:a16="http://schemas.microsoft.com/office/drawing/2014/main" id="{5C6FF50F-9B2B-49F7-8F87-EC650CCC4285}"/>
+              </a:ext>
+            </a:extLst>
+          </p:cNvPr>
+          <p:cNvSpPr>
             <a:spLocks noGrp="1"/>
           </p:cNvSpPr>
           <p:nvPr>
@@ -8742,43 +9928,33 @@
         </p:nvSpPr>
         <p:spPr>
           <a:xfrm>
-            <a:off x="727650" y="588100"/>
+            <a:off x="795818" y="595979"/>
             <a:ext cx="7688700" cy="535200"/>
           </a:xfrm>
-          <a:prstGeom prst="rect">
-            <a:avLst/>
-          </a:prstGeom>
         </p:spPr>
         <p:txBody>
-          <a:bodyPr spcFirstLastPara="1" wrap="square" lIns="91425" tIns="91425" rIns="91425" bIns="91425" anchor="t" anchorCtr="0">
-            <a:noAutofit/>
-          </a:bodyPr>
+          <a:bodyPr/>
           <a:lstStyle/>
           <a:p>
-            <a:pPr marL="0" lvl="0" indent="0" algn="l" rtl="0">
-              <a:spcBef>
-                <a:spcPts val="0"/>
-              </a:spcBef>
-              <a:spcAft>
-                <a:spcPts val="0"/>
-              </a:spcAft>
-              <a:buNone/>
-            </a:pPr>
             <a:r>
-              <a:rPr lang="ru-RU" sz="2400" dirty="0">
-                <a:latin typeface="Times New Roman"/>
-                <a:ea typeface="Times New Roman"/>
-                <a:cs typeface="Times New Roman"/>
-                <a:sym typeface="Times New Roman"/>
+              <a:rPr lang="ru-RU" sz="1800" dirty="0">
+                <a:effectLst/>
+                <a:latin typeface="Times New Roman" panose="02020603050405020304" pitchFamily="18" charset="0"/>
+                <a:ea typeface="Calibri" panose="020F0502020204030204" pitchFamily="34" charset="0"/>
+                <a:cs typeface="Times New Roman" panose="02020603050405020304" pitchFamily="18" charset="0"/>
               </a:rPr>
-              <a:t>Спасибо за внимание</a:t>
+              <a:t>Вкладка </a:t>
             </a:r>
-            <a:endParaRPr sz="2400" dirty="0">
-              <a:latin typeface="Times New Roman"/>
-              <a:ea typeface="Times New Roman"/>
-              <a:cs typeface="Times New Roman"/>
-              <a:sym typeface="Times New Roman"/>
-            </a:endParaRPr>
+            <a:r>
+              <a:rPr lang="en-US" sz="1800" dirty="0">
+                <a:effectLst/>
+                <a:latin typeface="Times New Roman" panose="02020603050405020304" pitchFamily="18" charset="0"/>
+                <a:ea typeface="Calibri" panose="020F0502020204030204" pitchFamily="34" charset="0"/>
+                <a:cs typeface="Times New Roman" panose="02020603050405020304" pitchFamily="18" charset="0"/>
+              </a:rPr>
+              <a:t>Overview</a:t>
+            </a:r>
+            <a:endParaRPr lang="ru-RU" dirty="0"/>
           </a:p>
         </p:txBody>
       </p:sp>
@@ -8787,7 +9963,7 @@
           <p:cNvPr id="3" name="Текст 2">
             <a:extLst>
               <a:ext uri="{FF2B5EF4-FFF2-40B4-BE49-F238E27FC236}">
-                <a16:creationId xmlns:a16="http://schemas.microsoft.com/office/drawing/2014/main" id="{D761CE32-CC3F-48AC-A17F-0ECD2C2E6C16}"/>
+                <a16:creationId xmlns:a16="http://schemas.microsoft.com/office/drawing/2014/main" id="{753F544E-0B67-4234-8E92-0521F01405E3}"/>
               </a:ext>
             </a:extLst>
           </p:cNvPr>
@@ -8798,30 +9974,454 @@
             <p:ph type="body" idx="1"/>
           </p:nvPr>
         </p:nvSpPr>
+        <p:spPr/>
+        <p:txBody>
+          <a:bodyPr/>
+          <a:lstStyle/>
+          <a:p>
+            <a:endParaRPr lang="ru-RU" dirty="0"/>
+          </a:p>
+        </p:txBody>
+      </p:sp>
+      <p:pic>
+        <p:nvPicPr>
+          <p:cNvPr id="4" name="Рисунок 3">
+            <a:extLst>
+              <a:ext uri="{FF2B5EF4-FFF2-40B4-BE49-F238E27FC236}">
+                <a16:creationId xmlns:a16="http://schemas.microsoft.com/office/drawing/2014/main" id="{6C239FA8-8485-41B3-9748-65D58FA927B5}"/>
+              </a:ext>
+            </a:extLst>
+          </p:cNvPr>
+          <p:cNvPicPr/>
+          <p:nvPr/>
+        </p:nvPicPr>
+        <p:blipFill>
+          <a:blip r:embed="rId2" cstate="print">
+            <a:extLst>
+              <a:ext uri="{28A0092B-C50C-407E-A947-70E740481C1C}">
+                <a14:useLocalDpi xmlns:a14="http://schemas.microsoft.com/office/drawing/2010/main" val="0"/>
+              </a:ext>
+            </a:extLst>
+          </a:blip>
+          <a:stretch>
+            <a:fillRect/>
+          </a:stretch>
+        </p:blipFill>
         <p:spPr>
           <a:xfrm>
-            <a:off x="531147" y="1441200"/>
-            <a:ext cx="7688700" cy="2261100"/>
+            <a:off x="552766" y="1219158"/>
+            <a:ext cx="8038467" cy="3802669"/>
+          </a:xfrm>
+          <a:prstGeom prst="rect">
+            <a:avLst/>
+          </a:prstGeom>
+        </p:spPr>
+      </p:pic>
+    </p:spTree>
+    <p:extLst>
+      <p:ext uri="{BB962C8B-B14F-4D97-AF65-F5344CB8AC3E}">
+        <p14:creationId xmlns:p14="http://schemas.microsoft.com/office/powerpoint/2010/main" val="3583214860"/>
+      </p:ext>
+    </p:extLst>
+  </p:cSld>
+  <p:clrMapOvr>
+    <a:masterClrMapping/>
+  </p:clrMapOvr>
+</p:sld>
+</file>
+
+<file path=ppt/slides/slide17.xml><?xml version="1.0" encoding="utf-8"?>
+<p:sld xmlns:a="http://schemas.openxmlformats.org/drawingml/2006/main" xmlns:r="http://schemas.openxmlformats.org/officeDocument/2006/relationships" xmlns:p="http://schemas.openxmlformats.org/presentationml/2006/main">
+  <p:cSld>
+    <p:spTree>
+      <p:nvGrpSpPr>
+        <p:cNvPr id="1" name=""/>
+        <p:cNvGrpSpPr/>
+        <p:nvPr/>
+      </p:nvGrpSpPr>
+      <p:grpSpPr>
+        <a:xfrm>
+          <a:off x="0" y="0"/>
+          <a:ext cx="0" cy="0"/>
+          <a:chOff x="0" y="0"/>
+          <a:chExt cx="0" cy="0"/>
+        </a:xfrm>
+      </p:grpSpPr>
+      <p:sp>
+        <p:nvSpPr>
+          <p:cNvPr id="2" name="Заголовок 1">
+            <a:extLst>
+              <a:ext uri="{FF2B5EF4-FFF2-40B4-BE49-F238E27FC236}">
+                <a16:creationId xmlns:a16="http://schemas.microsoft.com/office/drawing/2014/main" id="{5C6FF50F-9B2B-49F7-8F87-EC650CCC4285}"/>
+              </a:ext>
+            </a:extLst>
+          </p:cNvPr>
+          <p:cNvSpPr>
+            <a:spLocks noGrp="1"/>
+          </p:cNvSpPr>
+          <p:nvPr>
+            <p:ph type="title"/>
+          </p:nvPr>
+        </p:nvSpPr>
+        <p:spPr>
+          <a:xfrm>
+            <a:off x="795818" y="595979"/>
+            <a:ext cx="7688700" cy="535200"/>
           </a:xfrm>
         </p:spPr>
         <p:txBody>
           <a:bodyPr/>
           <a:lstStyle/>
           <a:p>
-            <a:pPr marL="146050" indent="0">
-              <a:buNone/>
-            </a:pPr>
             <a:r>
-              <a:rPr lang="ru-RU" sz="1800" dirty="0"/>
-              <a:t>Презентацию подготовил Пан Филипп, группа ИСиП-33</a:t>
+              <a:rPr lang="ru-RU" sz="1800" dirty="0">
+                <a:effectLst/>
+                <a:latin typeface="Times New Roman" panose="02020603050405020304" pitchFamily="18" charset="0"/>
+                <a:ea typeface="Calibri" panose="020F0502020204030204" pitchFamily="34" charset="0"/>
+                <a:cs typeface="Times New Roman" panose="02020603050405020304" pitchFamily="18" charset="0"/>
+              </a:rPr>
+              <a:t>Вкладка</a:t>
             </a:r>
+            <a:r>
+              <a:rPr lang="en-US" sz="1800" dirty="0">
+                <a:effectLst/>
+                <a:latin typeface="Times New Roman" panose="02020603050405020304" pitchFamily="18" charset="0"/>
+                <a:ea typeface="Calibri" panose="020F0502020204030204" pitchFamily="34" charset="0"/>
+                <a:cs typeface="Times New Roman" panose="02020603050405020304" pitchFamily="18" charset="0"/>
+              </a:rPr>
+              <a:t> Throughput time</a:t>
+            </a:r>
+            <a:br>
+              <a:rPr lang="ru-RU" sz="1800" dirty="0">
+                <a:effectLst/>
+                <a:latin typeface="Calibri" panose="020F0502020204030204" pitchFamily="34" charset="0"/>
+                <a:ea typeface="Calibri" panose="020F0502020204030204" pitchFamily="34" charset="0"/>
+                <a:cs typeface="Times New Roman" panose="02020603050405020304" pitchFamily="18" charset="0"/>
+              </a:rPr>
+            </a:br>
+            <a:endParaRPr lang="ru-RU" dirty="0"/>
           </a:p>
         </p:txBody>
       </p:sp>
+      <p:sp>
+        <p:nvSpPr>
+          <p:cNvPr id="3" name="Текст 2">
+            <a:extLst>
+              <a:ext uri="{FF2B5EF4-FFF2-40B4-BE49-F238E27FC236}">
+                <a16:creationId xmlns:a16="http://schemas.microsoft.com/office/drawing/2014/main" id="{753F544E-0B67-4234-8E92-0521F01405E3}"/>
+              </a:ext>
+            </a:extLst>
+          </p:cNvPr>
+          <p:cNvSpPr>
+            <a:spLocks noGrp="1"/>
+          </p:cNvSpPr>
+          <p:nvPr>
+            <p:ph type="body" idx="1"/>
+          </p:nvPr>
+        </p:nvSpPr>
+        <p:spPr/>
+        <p:txBody>
+          <a:bodyPr/>
+          <a:lstStyle/>
+          <a:p>
+            <a:endParaRPr lang="ru-RU" dirty="0"/>
+          </a:p>
+        </p:txBody>
+      </p:sp>
+      <p:pic>
+        <p:nvPicPr>
+          <p:cNvPr id="5" name="Рисунок 4">
+            <a:extLst>
+              <a:ext uri="{FF2B5EF4-FFF2-40B4-BE49-F238E27FC236}">
+                <a16:creationId xmlns:a16="http://schemas.microsoft.com/office/drawing/2014/main" id="{AA55369A-9BEF-4A7C-8B8A-C880CDA4C7DA}"/>
+              </a:ext>
+            </a:extLst>
+          </p:cNvPr>
+          <p:cNvPicPr/>
+          <p:nvPr/>
+        </p:nvPicPr>
+        <p:blipFill>
+          <a:blip r:embed="rId2"/>
+          <a:stretch>
+            <a:fillRect/>
+          </a:stretch>
+        </p:blipFill>
+        <p:spPr>
+          <a:xfrm>
+            <a:off x="407167" y="1250795"/>
+            <a:ext cx="8136344" cy="3892705"/>
+          </a:xfrm>
+          <a:prstGeom prst="rect">
+            <a:avLst/>
+          </a:prstGeom>
+        </p:spPr>
+      </p:pic>
     </p:spTree>
     <p:extLst>
       <p:ext uri="{BB962C8B-B14F-4D97-AF65-F5344CB8AC3E}">
-        <p14:creationId xmlns:p14="http://schemas.microsoft.com/office/powerpoint/2010/main" val="4125611233"/>
+        <p14:creationId xmlns:p14="http://schemas.microsoft.com/office/powerpoint/2010/main" val="1778285886"/>
+      </p:ext>
+    </p:extLst>
+  </p:cSld>
+  <p:clrMapOvr>
+    <a:masterClrMapping/>
+  </p:clrMapOvr>
+</p:sld>
+</file>
+
+<file path=ppt/slides/slide18.xml><?xml version="1.0" encoding="utf-8"?>
+<p:sld xmlns:a="http://schemas.openxmlformats.org/drawingml/2006/main" xmlns:r="http://schemas.openxmlformats.org/officeDocument/2006/relationships" xmlns:p="http://schemas.openxmlformats.org/presentationml/2006/main">
+  <p:cSld>
+    <p:spTree>
+      <p:nvGrpSpPr>
+        <p:cNvPr id="1" name=""/>
+        <p:cNvGrpSpPr/>
+        <p:nvPr/>
+      </p:nvGrpSpPr>
+      <p:grpSpPr>
+        <a:xfrm>
+          <a:off x="0" y="0"/>
+          <a:ext cx="0" cy="0"/>
+          <a:chOff x="0" y="0"/>
+          <a:chExt cx="0" cy="0"/>
+        </a:xfrm>
+      </p:grpSpPr>
+      <p:sp>
+        <p:nvSpPr>
+          <p:cNvPr id="2" name="Заголовок 1">
+            <a:extLst>
+              <a:ext uri="{FF2B5EF4-FFF2-40B4-BE49-F238E27FC236}">
+                <a16:creationId xmlns:a16="http://schemas.microsoft.com/office/drawing/2014/main" id="{5C6FF50F-9B2B-49F7-8F87-EC650CCC4285}"/>
+              </a:ext>
+            </a:extLst>
+          </p:cNvPr>
+          <p:cNvSpPr>
+            <a:spLocks noGrp="1"/>
+          </p:cNvSpPr>
+          <p:nvPr>
+            <p:ph type="title"/>
+          </p:nvPr>
+        </p:nvSpPr>
+        <p:spPr>
+          <a:xfrm>
+            <a:off x="795818" y="595979"/>
+            <a:ext cx="7688700" cy="535200"/>
+          </a:xfrm>
+        </p:spPr>
+        <p:txBody>
+          <a:bodyPr/>
+          <a:lstStyle/>
+          <a:p>
+            <a:r>
+              <a:rPr lang="ru-RU" sz="1800" dirty="0">
+                <a:effectLst/>
+                <a:latin typeface="Times New Roman" panose="02020603050405020304" pitchFamily="18" charset="0"/>
+                <a:ea typeface="Calibri" panose="020F0502020204030204" pitchFamily="34" charset="0"/>
+                <a:cs typeface="Times New Roman" panose="02020603050405020304" pitchFamily="18" charset="0"/>
+              </a:rPr>
+              <a:t>Вкладка</a:t>
+            </a:r>
+            <a:r>
+              <a:rPr lang="en-US" sz="1800" dirty="0">
+                <a:effectLst/>
+                <a:latin typeface="Times New Roman" panose="02020603050405020304" pitchFamily="18" charset="0"/>
+                <a:ea typeface="Calibri" panose="020F0502020204030204" pitchFamily="34" charset="0"/>
+                <a:cs typeface="Times New Roman" panose="02020603050405020304" pitchFamily="18" charset="0"/>
+              </a:rPr>
+              <a:t> Throughput time Details</a:t>
+            </a:r>
+            <a:endParaRPr lang="ru-RU" dirty="0"/>
+          </a:p>
+        </p:txBody>
+      </p:sp>
+      <p:sp>
+        <p:nvSpPr>
+          <p:cNvPr id="3" name="Текст 2">
+            <a:extLst>
+              <a:ext uri="{FF2B5EF4-FFF2-40B4-BE49-F238E27FC236}">
+                <a16:creationId xmlns:a16="http://schemas.microsoft.com/office/drawing/2014/main" id="{753F544E-0B67-4234-8E92-0521F01405E3}"/>
+              </a:ext>
+            </a:extLst>
+          </p:cNvPr>
+          <p:cNvSpPr>
+            <a:spLocks noGrp="1"/>
+          </p:cNvSpPr>
+          <p:nvPr>
+            <p:ph type="body" idx="1"/>
+          </p:nvPr>
+        </p:nvSpPr>
+        <p:spPr/>
+        <p:txBody>
+          <a:bodyPr/>
+          <a:lstStyle/>
+          <a:p>
+            <a:endParaRPr lang="ru-RU" dirty="0"/>
+          </a:p>
+        </p:txBody>
+      </p:sp>
+      <p:pic>
+        <p:nvPicPr>
+          <p:cNvPr id="5" name="Рисунок 4">
+            <a:extLst>
+              <a:ext uri="{FF2B5EF4-FFF2-40B4-BE49-F238E27FC236}">
+                <a16:creationId xmlns:a16="http://schemas.microsoft.com/office/drawing/2014/main" id="{C369F301-E860-4C36-BE4E-B37F32C7975E}"/>
+              </a:ext>
+            </a:extLst>
+          </p:cNvPr>
+          <p:cNvPicPr/>
+          <p:nvPr/>
+        </p:nvPicPr>
+        <p:blipFill>
+          <a:blip r:embed="rId2"/>
+          <a:stretch>
+            <a:fillRect/>
+          </a:stretch>
+        </p:blipFill>
+        <p:spPr>
+          <a:xfrm>
+            <a:off x="399793" y="1274045"/>
+            <a:ext cx="8279633" cy="3869455"/>
+          </a:xfrm>
+          <a:prstGeom prst="rect">
+            <a:avLst/>
+          </a:prstGeom>
+        </p:spPr>
+      </p:pic>
+    </p:spTree>
+    <p:extLst>
+      <p:ext uri="{BB962C8B-B14F-4D97-AF65-F5344CB8AC3E}">
+        <p14:creationId xmlns:p14="http://schemas.microsoft.com/office/powerpoint/2010/main" val="3927086273"/>
+      </p:ext>
+    </p:extLst>
+  </p:cSld>
+  <p:clrMapOvr>
+    <a:masterClrMapping/>
+  </p:clrMapOvr>
+</p:sld>
+</file>
+
+<file path=ppt/slides/slide19.xml><?xml version="1.0" encoding="utf-8"?>
+<p:sld xmlns:a="http://schemas.openxmlformats.org/drawingml/2006/main" xmlns:r="http://schemas.openxmlformats.org/officeDocument/2006/relationships" xmlns:p="http://schemas.openxmlformats.org/presentationml/2006/main">
+  <p:cSld>
+    <p:spTree>
+      <p:nvGrpSpPr>
+        <p:cNvPr id="1" name=""/>
+        <p:cNvGrpSpPr/>
+        <p:nvPr/>
+      </p:nvGrpSpPr>
+      <p:grpSpPr>
+        <a:xfrm>
+          <a:off x="0" y="0"/>
+          <a:ext cx="0" cy="0"/>
+          <a:chOff x="0" y="0"/>
+          <a:chExt cx="0" cy="0"/>
+        </a:xfrm>
+      </p:grpSpPr>
+      <p:sp>
+        <p:nvSpPr>
+          <p:cNvPr id="2" name="Заголовок 1">
+            <a:extLst>
+              <a:ext uri="{FF2B5EF4-FFF2-40B4-BE49-F238E27FC236}">
+                <a16:creationId xmlns:a16="http://schemas.microsoft.com/office/drawing/2014/main" id="{5C6FF50F-9B2B-49F7-8F87-EC650CCC4285}"/>
+              </a:ext>
+            </a:extLst>
+          </p:cNvPr>
+          <p:cNvSpPr>
+            <a:spLocks noGrp="1"/>
+          </p:cNvSpPr>
+          <p:nvPr>
+            <p:ph type="title"/>
+          </p:nvPr>
+        </p:nvSpPr>
+        <p:spPr>
+          <a:xfrm>
+            <a:off x="795818" y="595979"/>
+            <a:ext cx="7688700" cy="535200"/>
+          </a:xfrm>
+        </p:spPr>
+        <p:txBody>
+          <a:bodyPr/>
+          <a:lstStyle/>
+          <a:p>
+            <a:r>
+              <a:rPr lang="ru-RU" sz="1800" dirty="0">
+                <a:effectLst/>
+                <a:latin typeface="Times New Roman" panose="02020603050405020304" pitchFamily="18" charset="0"/>
+                <a:ea typeface="Calibri" panose="020F0502020204030204" pitchFamily="34" charset="0"/>
+                <a:cs typeface="Times New Roman" panose="02020603050405020304" pitchFamily="18" charset="0"/>
+              </a:rPr>
+              <a:t>Вкладка</a:t>
+            </a:r>
+            <a:r>
+              <a:rPr lang="en-US" sz="1800" dirty="0">
+                <a:effectLst/>
+                <a:latin typeface="Times New Roman" panose="02020603050405020304" pitchFamily="18" charset="0"/>
+                <a:ea typeface="Calibri" panose="020F0502020204030204" pitchFamily="34" charset="0"/>
+                <a:cs typeface="Times New Roman" panose="02020603050405020304" pitchFamily="18" charset="0"/>
+              </a:rPr>
+              <a:t> Rework rate</a:t>
+            </a:r>
+            <a:endParaRPr lang="ru-RU" dirty="0"/>
+          </a:p>
+        </p:txBody>
+      </p:sp>
+      <p:sp>
+        <p:nvSpPr>
+          <p:cNvPr id="3" name="Текст 2">
+            <a:extLst>
+              <a:ext uri="{FF2B5EF4-FFF2-40B4-BE49-F238E27FC236}">
+                <a16:creationId xmlns:a16="http://schemas.microsoft.com/office/drawing/2014/main" id="{753F544E-0B67-4234-8E92-0521F01405E3}"/>
+              </a:ext>
+            </a:extLst>
+          </p:cNvPr>
+          <p:cNvSpPr>
+            <a:spLocks noGrp="1"/>
+          </p:cNvSpPr>
+          <p:nvPr>
+            <p:ph type="body" idx="1"/>
+          </p:nvPr>
+        </p:nvSpPr>
+        <p:spPr/>
+        <p:txBody>
+          <a:bodyPr/>
+          <a:lstStyle/>
+          <a:p>
+            <a:endParaRPr lang="ru-RU" dirty="0"/>
+          </a:p>
+        </p:txBody>
+      </p:sp>
+      <p:pic>
+        <p:nvPicPr>
+          <p:cNvPr id="5" name="Рисунок 4">
+            <a:extLst>
+              <a:ext uri="{FF2B5EF4-FFF2-40B4-BE49-F238E27FC236}">
+                <a16:creationId xmlns:a16="http://schemas.microsoft.com/office/drawing/2014/main" id="{DA6A0F33-5DA0-4BC3-AFF6-20AD173C0418}"/>
+              </a:ext>
+            </a:extLst>
+          </p:cNvPr>
+          <p:cNvPicPr/>
+          <p:nvPr/>
+        </p:nvPicPr>
+        <p:blipFill>
+          <a:blip r:embed="rId2"/>
+          <a:stretch>
+            <a:fillRect/>
+          </a:stretch>
+        </p:blipFill>
+        <p:spPr>
+          <a:xfrm>
+            <a:off x="444039" y="1271361"/>
+            <a:ext cx="8205890" cy="3964316"/>
+          </a:xfrm>
+          <a:prstGeom prst="rect">
+            <a:avLst/>
+          </a:prstGeom>
+        </p:spPr>
+      </p:pic>
+    </p:spTree>
+    <p:extLst>
+      <p:ext uri="{BB962C8B-B14F-4D97-AF65-F5344CB8AC3E}">
+        <p14:creationId xmlns:p14="http://schemas.microsoft.com/office/powerpoint/2010/main" val="2091356316"/>
       </p:ext>
     </p:extLst>
   </p:cSld>
@@ -9046,6 +10646,661 @@
         </p:spPr>
       </p:pic>
     </p:spTree>
+  </p:cSld>
+  <p:clrMapOvr>
+    <a:masterClrMapping/>
+  </p:clrMapOvr>
+</p:sld>
+</file>
+
+<file path=ppt/slides/slide20.xml><?xml version="1.0" encoding="utf-8"?>
+<p:sld xmlns:a="http://schemas.openxmlformats.org/drawingml/2006/main" xmlns:r="http://schemas.openxmlformats.org/officeDocument/2006/relationships" xmlns:p="http://schemas.openxmlformats.org/presentationml/2006/main">
+  <p:cSld>
+    <p:spTree>
+      <p:nvGrpSpPr>
+        <p:cNvPr id="1" name=""/>
+        <p:cNvGrpSpPr/>
+        <p:nvPr/>
+      </p:nvGrpSpPr>
+      <p:grpSpPr>
+        <a:xfrm>
+          <a:off x="0" y="0"/>
+          <a:ext cx="0" cy="0"/>
+          <a:chOff x="0" y="0"/>
+          <a:chExt cx="0" cy="0"/>
+        </a:xfrm>
+      </p:grpSpPr>
+      <p:sp>
+        <p:nvSpPr>
+          <p:cNvPr id="2" name="Заголовок 1">
+            <a:extLst>
+              <a:ext uri="{FF2B5EF4-FFF2-40B4-BE49-F238E27FC236}">
+                <a16:creationId xmlns:a16="http://schemas.microsoft.com/office/drawing/2014/main" id="{5C6FF50F-9B2B-49F7-8F87-EC650CCC4285}"/>
+              </a:ext>
+            </a:extLst>
+          </p:cNvPr>
+          <p:cNvSpPr>
+            <a:spLocks noGrp="1"/>
+          </p:cNvSpPr>
+          <p:nvPr>
+            <p:ph type="title"/>
+          </p:nvPr>
+        </p:nvSpPr>
+        <p:spPr>
+          <a:xfrm>
+            <a:off x="795818" y="595979"/>
+            <a:ext cx="7688700" cy="535200"/>
+          </a:xfrm>
+        </p:spPr>
+        <p:txBody>
+          <a:bodyPr/>
+          <a:lstStyle/>
+          <a:p>
+            <a:r>
+              <a:rPr lang="ru-RU" sz="1800" dirty="0">
+                <a:effectLst/>
+                <a:latin typeface="Times New Roman" panose="02020603050405020304" pitchFamily="18" charset="0"/>
+                <a:ea typeface="Calibri" panose="020F0502020204030204" pitchFamily="34" charset="0"/>
+                <a:cs typeface="Times New Roman" panose="02020603050405020304" pitchFamily="18" charset="0"/>
+              </a:rPr>
+              <a:t>Вкладка </a:t>
+            </a:r>
+            <a:r>
+              <a:rPr lang="en-US" sz="1800" dirty="0">
+                <a:effectLst/>
+                <a:latin typeface="Times New Roman" panose="02020603050405020304" pitchFamily="18" charset="0"/>
+                <a:ea typeface="Calibri" panose="020F0502020204030204" pitchFamily="34" charset="0"/>
+                <a:cs typeface="Times New Roman" panose="02020603050405020304" pitchFamily="18" charset="0"/>
+              </a:rPr>
+              <a:t>Suppliers</a:t>
+            </a:r>
+            <a:endParaRPr lang="ru-RU" dirty="0"/>
+          </a:p>
+        </p:txBody>
+      </p:sp>
+      <p:sp>
+        <p:nvSpPr>
+          <p:cNvPr id="3" name="Текст 2">
+            <a:extLst>
+              <a:ext uri="{FF2B5EF4-FFF2-40B4-BE49-F238E27FC236}">
+                <a16:creationId xmlns:a16="http://schemas.microsoft.com/office/drawing/2014/main" id="{753F544E-0B67-4234-8E92-0521F01405E3}"/>
+              </a:ext>
+            </a:extLst>
+          </p:cNvPr>
+          <p:cNvSpPr>
+            <a:spLocks noGrp="1"/>
+          </p:cNvSpPr>
+          <p:nvPr>
+            <p:ph type="body" idx="1"/>
+          </p:nvPr>
+        </p:nvSpPr>
+        <p:spPr/>
+        <p:txBody>
+          <a:bodyPr/>
+          <a:lstStyle/>
+          <a:p>
+            <a:endParaRPr lang="ru-RU" dirty="0"/>
+          </a:p>
+        </p:txBody>
+      </p:sp>
+      <p:pic>
+        <p:nvPicPr>
+          <p:cNvPr id="5" name="Рисунок 4">
+            <a:extLst>
+              <a:ext uri="{FF2B5EF4-FFF2-40B4-BE49-F238E27FC236}">
+                <a16:creationId xmlns:a16="http://schemas.microsoft.com/office/drawing/2014/main" id="{54E98146-88BB-47CE-B95B-2BA4350F428F}"/>
+              </a:ext>
+            </a:extLst>
+          </p:cNvPr>
+          <p:cNvPicPr/>
+          <p:nvPr/>
+        </p:nvPicPr>
+        <p:blipFill>
+          <a:blip r:embed="rId2"/>
+          <a:stretch>
+            <a:fillRect/>
+          </a:stretch>
+        </p:blipFill>
+        <p:spPr>
+          <a:xfrm>
+            <a:off x="357238" y="1326125"/>
+            <a:ext cx="8429523" cy="3599835"/>
+          </a:xfrm>
+          <a:prstGeom prst="rect">
+            <a:avLst/>
+          </a:prstGeom>
+        </p:spPr>
+      </p:pic>
+    </p:spTree>
+    <p:extLst>
+      <p:ext uri="{BB962C8B-B14F-4D97-AF65-F5344CB8AC3E}">
+        <p14:creationId xmlns:p14="http://schemas.microsoft.com/office/powerpoint/2010/main" val="2230840710"/>
+      </p:ext>
+    </p:extLst>
+  </p:cSld>
+  <p:clrMapOvr>
+    <a:masterClrMapping/>
+  </p:clrMapOvr>
+</p:sld>
+</file>
+
+<file path=ppt/slides/slide21.xml><?xml version="1.0" encoding="utf-8"?>
+<p:sld xmlns:a="http://schemas.openxmlformats.org/drawingml/2006/main" xmlns:r="http://schemas.openxmlformats.org/officeDocument/2006/relationships" xmlns:p="http://schemas.openxmlformats.org/presentationml/2006/main">
+  <p:cSld>
+    <p:spTree>
+      <p:nvGrpSpPr>
+        <p:cNvPr id="1" name=""/>
+        <p:cNvGrpSpPr/>
+        <p:nvPr/>
+      </p:nvGrpSpPr>
+      <p:grpSpPr>
+        <a:xfrm>
+          <a:off x="0" y="0"/>
+          <a:ext cx="0" cy="0"/>
+          <a:chOff x="0" y="0"/>
+          <a:chExt cx="0" cy="0"/>
+        </a:xfrm>
+      </p:grpSpPr>
+      <p:sp>
+        <p:nvSpPr>
+          <p:cNvPr id="2" name="Заголовок 1">
+            <a:extLst>
+              <a:ext uri="{FF2B5EF4-FFF2-40B4-BE49-F238E27FC236}">
+                <a16:creationId xmlns:a16="http://schemas.microsoft.com/office/drawing/2014/main" id="{5C6FF50F-9B2B-49F7-8F87-EC650CCC4285}"/>
+              </a:ext>
+            </a:extLst>
+          </p:cNvPr>
+          <p:cNvSpPr>
+            <a:spLocks noGrp="1"/>
+          </p:cNvSpPr>
+          <p:nvPr>
+            <p:ph type="title"/>
+          </p:nvPr>
+        </p:nvSpPr>
+        <p:spPr>
+          <a:xfrm>
+            <a:off x="795818" y="595979"/>
+            <a:ext cx="7688700" cy="535200"/>
+          </a:xfrm>
+        </p:spPr>
+        <p:txBody>
+          <a:bodyPr/>
+          <a:lstStyle/>
+          <a:p>
+            <a:r>
+              <a:rPr lang="ru-RU" sz="1800" dirty="0">
+                <a:effectLst/>
+                <a:latin typeface="Times New Roman" panose="02020603050405020304" pitchFamily="18" charset="0"/>
+                <a:ea typeface="Calibri" panose="020F0502020204030204" pitchFamily="34" charset="0"/>
+                <a:cs typeface="Times New Roman" panose="02020603050405020304" pitchFamily="18" charset="0"/>
+              </a:rPr>
+              <a:t>Вкладка</a:t>
+            </a:r>
+            <a:r>
+              <a:rPr lang="en-US" sz="1800" dirty="0">
+                <a:effectLst/>
+                <a:latin typeface="Times New Roman" panose="02020603050405020304" pitchFamily="18" charset="0"/>
+                <a:ea typeface="Calibri" panose="020F0502020204030204" pitchFamily="34" charset="0"/>
+                <a:cs typeface="Times New Roman" panose="02020603050405020304" pitchFamily="18" charset="0"/>
+              </a:rPr>
+              <a:t> Conformance</a:t>
+            </a:r>
+            <a:endParaRPr lang="ru-RU" dirty="0"/>
+          </a:p>
+        </p:txBody>
+      </p:sp>
+      <p:sp>
+        <p:nvSpPr>
+          <p:cNvPr id="3" name="Текст 2">
+            <a:extLst>
+              <a:ext uri="{FF2B5EF4-FFF2-40B4-BE49-F238E27FC236}">
+                <a16:creationId xmlns:a16="http://schemas.microsoft.com/office/drawing/2014/main" id="{753F544E-0B67-4234-8E92-0521F01405E3}"/>
+              </a:ext>
+            </a:extLst>
+          </p:cNvPr>
+          <p:cNvSpPr>
+            <a:spLocks noGrp="1"/>
+          </p:cNvSpPr>
+          <p:nvPr>
+            <p:ph type="body" idx="1"/>
+          </p:nvPr>
+        </p:nvSpPr>
+        <p:spPr/>
+        <p:txBody>
+          <a:bodyPr/>
+          <a:lstStyle/>
+          <a:p>
+            <a:endParaRPr lang="ru-RU" dirty="0"/>
+          </a:p>
+        </p:txBody>
+      </p:sp>
+      <p:pic>
+        <p:nvPicPr>
+          <p:cNvPr id="5" name="Рисунок 4">
+            <a:extLst>
+              <a:ext uri="{FF2B5EF4-FFF2-40B4-BE49-F238E27FC236}">
+                <a16:creationId xmlns:a16="http://schemas.microsoft.com/office/drawing/2014/main" id="{A383848E-CC01-4879-9EF3-4D34A2938215}"/>
+              </a:ext>
+            </a:extLst>
+          </p:cNvPr>
+          <p:cNvPicPr/>
+          <p:nvPr/>
+        </p:nvPicPr>
+        <p:blipFill>
+          <a:blip r:embed="rId2"/>
+          <a:stretch>
+            <a:fillRect/>
+          </a:stretch>
+        </p:blipFill>
+        <p:spPr>
+          <a:xfrm>
+            <a:off x="495658" y="1285568"/>
+            <a:ext cx="8073155" cy="3857932"/>
+          </a:xfrm>
+          <a:prstGeom prst="rect">
+            <a:avLst/>
+          </a:prstGeom>
+        </p:spPr>
+      </p:pic>
+    </p:spTree>
+    <p:extLst>
+      <p:ext uri="{BB962C8B-B14F-4D97-AF65-F5344CB8AC3E}">
+        <p14:creationId xmlns:p14="http://schemas.microsoft.com/office/powerpoint/2010/main" val="878347163"/>
+      </p:ext>
+    </p:extLst>
+  </p:cSld>
+  <p:clrMapOvr>
+    <a:masterClrMapping/>
+  </p:clrMapOvr>
+</p:sld>
+</file>
+
+<file path=ppt/slides/slide22.xml><?xml version="1.0" encoding="utf-8"?>
+<p:sld xmlns:a="http://schemas.openxmlformats.org/drawingml/2006/main" xmlns:r="http://schemas.openxmlformats.org/officeDocument/2006/relationships" xmlns:p="http://schemas.openxmlformats.org/presentationml/2006/main">
+  <p:cSld>
+    <p:spTree>
+      <p:nvGrpSpPr>
+        <p:cNvPr id="1" name=""/>
+        <p:cNvGrpSpPr/>
+        <p:nvPr/>
+      </p:nvGrpSpPr>
+      <p:grpSpPr>
+        <a:xfrm>
+          <a:off x="0" y="0"/>
+          <a:ext cx="0" cy="0"/>
+          <a:chOff x="0" y="0"/>
+          <a:chExt cx="0" cy="0"/>
+        </a:xfrm>
+      </p:grpSpPr>
+      <p:sp>
+        <p:nvSpPr>
+          <p:cNvPr id="2" name="Заголовок 1">
+            <a:extLst>
+              <a:ext uri="{FF2B5EF4-FFF2-40B4-BE49-F238E27FC236}">
+                <a16:creationId xmlns:a16="http://schemas.microsoft.com/office/drawing/2014/main" id="{5C6FF50F-9B2B-49F7-8F87-EC650CCC4285}"/>
+              </a:ext>
+            </a:extLst>
+          </p:cNvPr>
+          <p:cNvSpPr>
+            <a:spLocks noGrp="1"/>
+          </p:cNvSpPr>
+          <p:nvPr>
+            <p:ph type="title"/>
+          </p:nvPr>
+        </p:nvSpPr>
+        <p:spPr>
+          <a:xfrm>
+            <a:off x="795818" y="595979"/>
+            <a:ext cx="7688700" cy="535200"/>
+          </a:xfrm>
+        </p:spPr>
+        <p:txBody>
+          <a:bodyPr/>
+          <a:lstStyle/>
+          <a:p>
+            <a:r>
+              <a:rPr lang="ru-RU" sz="1800" dirty="0">
+                <a:effectLst/>
+                <a:latin typeface="Times New Roman" panose="02020603050405020304" pitchFamily="18" charset="0"/>
+                <a:ea typeface="Calibri" panose="020F0502020204030204" pitchFamily="34" charset="0"/>
+                <a:cs typeface="Times New Roman" panose="02020603050405020304" pitchFamily="18" charset="0"/>
+              </a:rPr>
+              <a:t>Вкладка</a:t>
+            </a:r>
+            <a:r>
+              <a:rPr lang="en-US" sz="1800" dirty="0">
+                <a:effectLst/>
+                <a:latin typeface="Times New Roman" panose="02020603050405020304" pitchFamily="18" charset="0"/>
+                <a:ea typeface="Calibri" panose="020F0502020204030204" pitchFamily="34" charset="0"/>
+                <a:cs typeface="Times New Roman" panose="02020603050405020304" pitchFamily="18" charset="0"/>
+              </a:rPr>
+              <a:t> Lead time</a:t>
+            </a:r>
+            <a:endParaRPr lang="ru-RU" dirty="0"/>
+          </a:p>
+        </p:txBody>
+      </p:sp>
+      <p:sp>
+        <p:nvSpPr>
+          <p:cNvPr id="3" name="Текст 2">
+            <a:extLst>
+              <a:ext uri="{FF2B5EF4-FFF2-40B4-BE49-F238E27FC236}">
+                <a16:creationId xmlns:a16="http://schemas.microsoft.com/office/drawing/2014/main" id="{753F544E-0B67-4234-8E92-0521F01405E3}"/>
+              </a:ext>
+            </a:extLst>
+          </p:cNvPr>
+          <p:cNvSpPr>
+            <a:spLocks noGrp="1"/>
+          </p:cNvSpPr>
+          <p:nvPr>
+            <p:ph type="body" idx="1"/>
+          </p:nvPr>
+        </p:nvSpPr>
+        <p:spPr/>
+        <p:txBody>
+          <a:bodyPr/>
+          <a:lstStyle/>
+          <a:p>
+            <a:endParaRPr lang="ru-RU" dirty="0"/>
+          </a:p>
+        </p:txBody>
+      </p:sp>
+      <p:pic>
+        <p:nvPicPr>
+          <p:cNvPr id="5" name="Рисунок 4">
+            <a:extLst>
+              <a:ext uri="{FF2B5EF4-FFF2-40B4-BE49-F238E27FC236}">
+                <a16:creationId xmlns:a16="http://schemas.microsoft.com/office/drawing/2014/main" id="{A2C1913E-1D08-40BA-8E68-248430527778}"/>
+              </a:ext>
+            </a:extLst>
+          </p:cNvPr>
+          <p:cNvPicPr/>
+          <p:nvPr/>
+        </p:nvPicPr>
+        <p:blipFill>
+          <a:blip r:embed="rId2"/>
+          <a:stretch>
+            <a:fillRect/>
+          </a:stretch>
+        </p:blipFill>
+        <p:spPr>
+          <a:xfrm>
+            <a:off x="628394" y="1272632"/>
+            <a:ext cx="7962541" cy="3870868"/>
+          </a:xfrm>
+          <a:prstGeom prst="rect">
+            <a:avLst/>
+          </a:prstGeom>
+        </p:spPr>
+      </p:pic>
+    </p:spTree>
+    <p:extLst>
+      <p:ext uri="{BB962C8B-B14F-4D97-AF65-F5344CB8AC3E}">
+        <p14:creationId xmlns:p14="http://schemas.microsoft.com/office/powerpoint/2010/main" val="3490622493"/>
+      </p:ext>
+    </p:extLst>
+  </p:cSld>
+  <p:clrMapOvr>
+    <a:masterClrMapping/>
+  </p:clrMapOvr>
+</p:sld>
+</file>
+
+<file path=ppt/slides/slide23.xml><?xml version="1.0" encoding="utf-8"?>
+<p:sld xmlns:a="http://schemas.openxmlformats.org/drawingml/2006/main" xmlns:r="http://schemas.openxmlformats.org/officeDocument/2006/relationships" xmlns:p="http://schemas.openxmlformats.org/presentationml/2006/main">
+  <p:cSld>
+    <p:spTree>
+      <p:nvGrpSpPr>
+        <p:cNvPr id="1" name=""/>
+        <p:cNvGrpSpPr/>
+        <p:nvPr/>
+      </p:nvGrpSpPr>
+      <p:grpSpPr>
+        <a:xfrm>
+          <a:off x="0" y="0"/>
+          <a:ext cx="0" cy="0"/>
+          <a:chOff x="0" y="0"/>
+          <a:chExt cx="0" cy="0"/>
+        </a:xfrm>
+      </p:grpSpPr>
+      <p:sp>
+        <p:nvSpPr>
+          <p:cNvPr id="2" name="Заголовок 1">
+            <a:extLst>
+              <a:ext uri="{FF2B5EF4-FFF2-40B4-BE49-F238E27FC236}">
+                <a16:creationId xmlns:a16="http://schemas.microsoft.com/office/drawing/2014/main" id="{5C6FF50F-9B2B-49F7-8F87-EC650CCC4285}"/>
+              </a:ext>
+            </a:extLst>
+          </p:cNvPr>
+          <p:cNvSpPr>
+            <a:spLocks noGrp="1"/>
+          </p:cNvSpPr>
+          <p:nvPr>
+            <p:ph type="title"/>
+          </p:nvPr>
+        </p:nvSpPr>
+        <p:spPr>
+          <a:xfrm>
+            <a:off x="795818" y="595979"/>
+            <a:ext cx="7688700" cy="535200"/>
+          </a:xfrm>
+        </p:spPr>
+        <p:txBody>
+          <a:bodyPr/>
+          <a:lstStyle/>
+          <a:p>
+            <a:pPr lvl="0" algn="just">
+              <a:lnSpc>
+                <a:spcPct val="150000"/>
+              </a:lnSpc>
+              <a:spcAft>
+                <a:spcPts val="800"/>
+              </a:spcAft>
+            </a:pPr>
+            <a:r>
+              <a:rPr lang="ru-RU" sz="1800" dirty="0">
+                <a:effectLst/>
+                <a:latin typeface="Times New Roman" panose="02020603050405020304" pitchFamily="18" charset="0"/>
+                <a:ea typeface="Calibri" panose="020F0502020204030204" pitchFamily="34" charset="0"/>
+                <a:cs typeface="Times New Roman" panose="02020603050405020304" pitchFamily="18" charset="0"/>
+              </a:rPr>
+              <a:t>Вкладка</a:t>
+            </a:r>
+            <a:r>
+              <a:rPr lang="en-US" sz="1800" dirty="0">
+                <a:effectLst/>
+                <a:latin typeface="Times New Roman" panose="02020603050405020304" pitchFamily="18" charset="0"/>
+                <a:ea typeface="Calibri" panose="020F0502020204030204" pitchFamily="34" charset="0"/>
+                <a:cs typeface="Times New Roman" panose="02020603050405020304" pitchFamily="18" charset="0"/>
+              </a:rPr>
+              <a:t> Orders per month</a:t>
+            </a:r>
+            <a:endParaRPr lang="ru-RU" sz="1800" dirty="0">
+              <a:effectLst/>
+              <a:latin typeface="Calibri" panose="020F0502020204030204" pitchFamily="34" charset="0"/>
+              <a:ea typeface="Calibri" panose="020F0502020204030204" pitchFamily="34" charset="0"/>
+              <a:cs typeface="Times New Roman" panose="02020603050405020304" pitchFamily="18" charset="0"/>
+            </a:endParaRPr>
+          </a:p>
+        </p:txBody>
+      </p:sp>
+      <p:sp>
+        <p:nvSpPr>
+          <p:cNvPr id="3" name="Текст 2">
+            <a:extLst>
+              <a:ext uri="{FF2B5EF4-FFF2-40B4-BE49-F238E27FC236}">
+                <a16:creationId xmlns:a16="http://schemas.microsoft.com/office/drawing/2014/main" id="{753F544E-0B67-4234-8E92-0521F01405E3}"/>
+              </a:ext>
+            </a:extLst>
+          </p:cNvPr>
+          <p:cNvSpPr>
+            <a:spLocks noGrp="1"/>
+          </p:cNvSpPr>
+          <p:nvPr>
+            <p:ph type="body" idx="1"/>
+          </p:nvPr>
+        </p:nvSpPr>
+        <p:spPr/>
+        <p:txBody>
+          <a:bodyPr/>
+          <a:lstStyle/>
+          <a:p>
+            <a:endParaRPr lang="ru-RU" dirty="0"/>
+          </a:p>
+        </p:txBody>
+      </p:sp>
+      <p:pic>
+        <p:nvPicPr>
+          <p:cNvPr id="6" name="Рисунок 5">
+            <a:extLst>
+              <a:ext uri="{FF2B5EF4-FFF2-40B4-BE49-F238E27FC236}">
+                <a16:creationId xmlns:a16="http://schemas.microsoft.com/office/drawing/2014/main" id="{1067977C-ABB1-43B6-BD04-2831CE23D25E}"/>
+              </a:ext>
+            </a:extLst>
+          </p:cNvPr>
+          <p:cNvPicPr/>
+          <p:nvPr/>
+        </p:nvPicPr>
+        <p:blipFill>
+          <a:blip r:embed="rId2"/>
+          <a:stretch>
+            <a:fillRect/>
+          </a:stretch>
+        </p:blipFill>
+        <p:spPr>
+          <a:xfrm>
+            <a:off x="495658" y="1340802"/>
+            <a:ext cx="7988860" cy="3802698"/>
+          </a:xfrm>
+          <a:prstGeom prst="rect">
+            <a:avLst/>
+          </a:prstGeom>
+        </p:spPr>
+      </p:pic>
+    </p:spTree>
+    <p:extLst>
+      <p:ext uri="{BB962C8B-B14F-4D97-AF65-F5344CB8AC3E}">
+        <p14:creationId xmlns:p14="http://schemas.microsoft.com/office/powerpoint/2010/main" val="1291508295"/>
+      </p:ext>
+    </p:extLst>
+  </p:cSld>
+  <p:clrMapOvr>
+    <a:masterClrMapping/>
+  </p:clrMapOvr>
+</p:sld>
+</file>
+
+<file path=ppt/slides/slide24.xml><?xml version="1.0" encoding="utf-8"?>
+<p:sld xmlns:a="http://schemas.openxmlformats.org/drawingml/2006/main" xmlns:r="http://schemas.openxmlformats.org/officeDocument/2006/relationships" xmlns:p="http://schemas.openxmlformats.org/presentationml/2006/main">
+  <p:cSld>
+    <p:spTree>
+      <p:nvGrpSpPr>
+        <p:cNvPr id="1" name="Shape 94"/>
+        <p:cNvGrpSpPr/>
+        <p:nvPr/>
+      </p:nvGrpSpPr>
+      <p:grpSpPr>
+        <a:xfrm>
+          <a:off x="0" y="0"/>
+          <a:ext cx="0" cy="0"/>
+          <a:chOff x="0" y="0"/>
+          <a:chExt cx="0" cy="0"/>
+        </a:xfrm>
+      </p:grpSpPr>
+      <p:sp>
+        <p:nvSpPr>
+          <p:cNvPr id="95" name="Google Shape;95;p14"/>
+          <p:cNvSpPr txBox="1">
+            <a:spLocks noGrp="1"/>
+          </p:cNvSpPr>
+          <p:nvPr>
+            <p:ph type="title"/>
+          </p:nvPr>
+        </p:nvSpPr>
+        <p:spPr>
+          <a:xfrm>
+            <a:off x="727650" y="588100"/>
+            <a:ext cx="7688700" cy="535200"/>
+          </a:xfrm>
+          <a:prstGeom prst="rect">
+            <a:avLst/>
+          </a:prstGeom>
+        </p:spPr>
+        <p:txBody>
+          <a:bodyPr spcFirstLastPara="1" wrap="square" lIns="91425" tIns="91425" rIns="91425" bIns="91425" anchor="t" anchorCtr="0">
+            <a:noAutofit/>
+          </a:bodyPr>
+          <a:lstStyle/>
+          <a:p>
+            <a:pPr marL="0" lvl="0" indent="0" algn="l" rtl="0">
+              <a:spcBef>
+                <a:spcPts val="0"/>
+              </a:spcBef>
+              <a:spcAft>
+                <a:spcPts val="0"/>
+              </a:spcAft>
+              <a:buNone/>
+            </a:pPr>
+            <a:r>
+              <a:rPr lang="ru-RU" sz="2400" dirty="0">
+                <a:latin typeface="Times New Roman"/>
+                <a:ea typeface="Times New Roman"/>
+                <a:cs typeface="Times New Roman"/>
+                <a:sym typeface="Times New Roman"/>
+              </a:rPr>
+              <a:t>Спасибо за внимание</a:t>
+            </a:r>
+            <a:endParaRPr sz="2400" dirty="0">
+              <a:latin typeface="Times New Roman"/>
+              <a:ea typeface="Times New Roman"/>
+              <a:cs typeface="Times New Roman"/>
+              <a:sym typeface="Times New Roman"/>
+            </a:endParaRPr>
+          </a:p>
+        </p:txBody>
+      </p:sp>
+      <p:sp>
+        <p:nvSpPr>
+          <p:cNvPr id="3" name="Текст 2">
+            <a:extLst>
+              <a:ext uri="{FF2B5EF4-FFF2-40B4-BE49-F238E27FC236}">
+                <a16:creationId xmlns:a16="http://schemas.microsoft.com/office/drawing/2014/main" id="{D761CE32-CC3F-48AC-A17F-0ECD2C2E6C16}"/>
+              </a:ext>
+            </a:extLst>
+          </p:cNvPr>
+          <p:cNvSpPr>
+            <a:spLocks noGrp="1"/>
+          </p:cNvSpPr>
+          <p:nvPr>
+            <p:ph type="body" idx="1"/>
+          </p:nvPr>
+        </p:nvSpPr>
+        <p:spPr>
+          <a:xfrm>
+            <a:off x="531147" y="1441200"/>
+            <a:ext cx="7688700" cy="2261100"/>
+          </a:xfrm>
+        </p:spPr>
+        <p:txBody>
+          <a:bodyPr/>
+          <a:lstStyle/>
+          <a:p>
+            <a:pPr marL="146050" indent="0">
+              <a:buNone/>
+            </a:pPr>
+            <a:r>
+              <a:rPr lang="ru-RU" sz="1800" dirty="0"/>
+              <a:t>Презентацию подготовил Пан Филипп, группа ИСиП-33</a:t>
+            </a:r>
+          </a:p>
+        </p:txBody>
+      </p:sp>
+    </p:spTree>
+    <p:extLst>
+      <p:ext uri="{BB962C8B-B14F-4D97-AF65-F5344CB8AC3E}">
+        <p14:creationId xmlns:p14="http://schemas.microsoft.com/office/powerpoint/2010/main" val="4125611233"/>
+      </p:ext>
+    </p:extLst>
   </p:cSld>
   <p:clrMapOvr>
     <a:masterClrMapping/>
@@ -9927,7 +12182,7 @@
   <p:cSld>
     <p:spTree>
       <p:nvGrpSpPr>
-        <p:cNvPr id="1" name="Shape 94"/>
+        <p:cNvPr id="1" name=""/>
         <p:cNvGrpSpPr/>
         <p:nvPr/>
       </p:nvGrpSpPr>
@@ -9941,62 +12196,10 @@
       </p:grpSpPr>
       <p:sp>
         <p:nvSpPr>
-          <p:cNvPr id="95" name="Google Shape;95;p14"/>
-          <p:cNvSpPr txBox="1">
-            <a:spLocks noGrp="1"/>
-          </p:cNvSpPr>
-          <p:nvPr>
-            <p:ph type="title"/>
-          </p:nvPr>
-        </p:nvSpPr>
-        <p:spPr>
-          <a:xfrm>
-            <a:off x="729450" y="535925"/>
-            <a:ext cx="7688700" cy="535200"/>
-          </a:xfrm>
-          <a:prstGeom prst="rect">
-            <a:avLst/>
-          </a:prstGeom>
-        </p:spPr>
-        <p:txBody>
-          <a:bodyPr spcFirstLastPara="1" wrap="square" lIns="91425" tIns="91425" rIns="91425" bIns="91425" anchor="t" anchorCtr="0">
-            <a:noAutofit/>
-          </a:bodyPr>
-          <a:lstStyle/>
-          <a:p>
-            <a:pPr marL="0" lvl="0" indent="0" algn="l" rtl="0">
-              <a:spcBef>
-                <a:spcPts val="0"/>
-              </a:spcBef>
-              <a:spcAft>
-                <a:spcPts val="0"/>
-              </a:spcAft>
-              <a:buNone/>
-            </a:pPr>
-            <a:r>
-              <a:rPr lang="en-US" sz="2400" dirty="0">
-                <a:latin typeface="Times New Roman"/>
-                <a:ea typeface="Times New Roman"/>
-                <a:cs typeface="Times New Roman"/>
-                <a:sym typeface="Times New Roman"/>
-              </a:rPr>
-              <a:t>Process mining</a:t>
-            </a:r>
-            <a:endParaRPr sz="2400" dirty="0">
-              <a:latin typeface="Times New Roman"/>
-              <a:ea typeface="Times New Roman"/>
-              <a:cs typeface="Times New Roman"/>
-              <a:sym typeface="Times New Roman"/>
-            </a:endParaRPr>
-          </a:p>
-        </p:txBody>
-      </p:sp>
-      <p:sp>
-        <p:nvSpPr>
-          <p:cNvPr id="3" name="Текст 2">
+          <p:cNvPr id="2" name="Заголовок 1">
             <a:extLst>
               <a:ext uri="{FF2B5EF4-FFF2-40B4-BE49-F238E27FC236}">
-                <a16:creationId xmlns:a16="http://schemas.microsoft.com/office/drawing/2014/main" id="{D761CE32-CC3F-48AC-A17F-0ECD2C2E6C16}"/>
+                <a16:creationId xmlns:a16="http://schemas.microsoft.com/office/drawing/2014/main" id="{92FCED9E-111C-49E8-8F29-9F31FBDF59CE}"/>
               </a:ext>
             </a:extLst>
           </p:cNvPr>
@@ -10004,7 +12207,7 @@
             <a:spLocks noGrp="1"/>
           </p:cNvSpPr>
           <p:nvPr>
-            <p:ph type="body" idx="1"/>
+            <p:ph type="title"/>
           </p:nvPr>
         </p:nvSpPr>
         <p:spPr/>
@@ -10012,37 +12215,48 @@
           <a:bodyPr/>
           <a:lstStyle/>
           <a:p>
-            <a:pPr marL="146050" indent="0">
-              <a:buNone/>
-            </a:pPr>
-            <a:endParaRPr lang="ru-RU" dirty="0"/>
+            <a:r>
+              <a:rPr lang="en-US" dirty="0"/>
+              <a:t>ERD </a:t>
+            </a:r>
+            <a:br>
+              <a:rPr lang="ru-RU" dirty="0"/>
+            </a:br>
+            <a:r>
+              <a:rPr lang="ru-RU" dirty="0"/>
+              <a:t>диаграмма</a:t>
+            </a:r>
           </a:p>
         </p:txBody>
       </p:sp>
       <p:pic>
         <p:nvPicPr>
-          <p:cNvPr id="6" name="Рисунок 5">
+          <p:cNvPr id="3" name="Рисунок 2">
             <a:extLst>
               <a:ext uri="{FF2B5EF4-FFF2-40B4-BE49-F238E27FC236}">
-                <a16:creationId xmlns:a16="http://schemas.microsoft.com/office/drawing/2014/main" id="{C35C80AE-F388-4F5A-853C-5FF3DE58415C}"/>
+                <a16:creationId xmlns:a16="http://schemas.microsoft.com/office/drawing/2014/main" id="{73D112A7-9242-45A3-8209-83D9D7E68A4F}"/>
               </a:ext>
             </a:extLst>
           </p:cNvPr>
-          <p:cNvPicPr>
-            <a:picLocks noChangeAspect="1"/>
-          </p:cNvPicPr>
+          <p:cNvPicPr/>
           <p:nvPr/>
         </p:nvPicPr>
         <p:blipFill>
-          <a:blip r:embed="rId3"/>
+          <a:blip r:embed="rId2">
+            <a:extLst>
+              <a:ext uri="{28A0092B-C50C-407E-A947-70E740481C1C}">
+                <a14:useLocalDpi xmlns:a14="http://schemas.microsoft.com/office/drawing/2010/main" val="0"/>
+              </a:ext>
+            </a:extLst>
+          </a:blip>
           <a:stretch>
             <a:fillRect/>
           </a:stretch>
         </p:blipFill>
         <p:spPr>
           <a:xfrm>
-            <a:off x="0" y="1515681"/>
-            <a:ext cx="9144000" cy="3387487"/>
+            <a:off x="2966013" y="621368"/>
+            <a:ext cx="5940425" cy="4166235"/>
           </a:xfrm>
           <a:prstGeom prst="rect">
             <a:avLst/>
@@ -10052,7 +12266,7 @@
     </p:spTree>
     <p:extLst>
       <p:ext uri="{BB962C8B-B14F-4D97-AF65-F5344CB8AC3E}">
-        <p14:creationId xmlns:p14="http://schemas.microsoft.com/office/powerpoint/2010/main" val="1117209754"/>
+        <p14:creationId xmlns:p14="http://schemas.microsoft.com/office/powerpoint/2010/main" val="202969408"/>
       </p:ext>
     </p:extLst>
   </p:cSld>
